--- a/DroidNurse.pptx
+++ b/DroidNurse.pptx
@@ -12,24 +12,24 @@
     <p:sldId id="257" r:id="rId3"/>
     <p:sldId id="261" r:id="rId4"/>
     <p:sldId id="258" r:id="rId5"/>
-    <p:sldId id="274" r:id="rId6"/>
-    <p:sldId id="271" r:id="rId7"/>
-    <p:sldId id="263" r:id="rId8"/>
-    <p:sldId id="283" r:id="rId9"/>
-    <p:sldId id="270" r:id="rId10"/>
-    <p:sldId id="282" r:id="rId11"/>
-    <p:sldId id="265" r:id="rId12"/>
-    <p:sldId id="266" r:id="rId13"/>
-    <p:sldId id="267" r:id="rId14"/>
-    <p:sldId id="276" r:id="rId15"/>
-    <p:sldId id="275" r:id="rId16"/>
-    <p:sldId id="280" r:id="rId17"/>
-    <p:sldId id="268" r:id="rId18"/>
-    <p:sldId id="277" r:id="rId19"/>
-    <p:sldId id="278" r:id="rId20"/>
-    <p:sldId id="279" r:id="rId21"/>
-    <p:sldId id="281" r:id="rId22"/>
-    <p:sldId id="284" r:id="rId23"/>
+    <p:sldId id="271" r:id="rId6"/>
+    <p:sldId id="263" r:id="rId7"/>
+    <p:sldId id="283" r:id="rId8"/>
+    <p:sldId id="270" r:id="rId9"/>
+    <p:sldId id="282" r:id="rId10"/>
+    <p:sldId id="265" r:id="rId11"/>
+    <p:sldId id="266" r:id="rId12"/>
+    <p:sldId id="267" r:id="rId13"/>
+    <p:sldId id="276" r:id="rId14"/>
+    <p:sldId id="275" r:id="rId15"/>
+    <p:sldId id="280" r:id="rId16"/>
+    <p:sldId id="268" r:id="rId17"/>
+    <p:sldId id="277" r:id="rId18"/>
+    <p:sldId id="278" r:id="rId19"/>
+    <p:sldId id="279" r:id="rId20"/>
+    <p:sldId id="281" r:id="rId21"/>
+    <p:sldId id="284" r:id="rId22"/>
+    <p:sldId id="274" r:id="rId23"/>
     <p:sldId id="272" r:id="rId24"/>
     <p:sldId id="273" r:id="rId25"/>
     <p:sldId id="269" r:id="rId26"/>
@@ -273,7 +273,7 @@
               <a:pPr>
                 <a:defRPr/>
               </a:pPr>
-              <a:t>12/08/14</a:t>
+              <a:t>18/08/14</a:t>
             </a:fld>
             <a:endParaRPr lang="en-US"/>
           </a:p>
@@ -896,7 +896,7 @@
       </p:grpSpPr>
       <p:sp>
         <p:nvSpPr>
-          <p:cNvPr id="35841" name="Slide Image Placeholder 1"/>
+          <p:cNvPr id="37889" name="Slide Image Placeholder 1"/>
           <p:cNvSpPr>
             <a:spLocks noGrp="1" noRot="1" noChangeAspect="1" noTextEdit="1"/>
           </p:cNvSpPr>
@@ -930,7 +930,7 @@
       </p:sp>
       <p:sp>
         <p:nvSpPr>
-          <p:cNvPr id="35842" name="Notes Placeholder 2"/>
+          <p:cNvPr id="37890" name="Notes Placeholder 2"/>
           <p:cNvSpPr>
             <a:spLocks noGrp="1"/>
           </p:cNvSpPr>
@@ -984,7 +984,7 @@
       </p:sp>
       <p:sp>
         <p:nvSpPr>
-          <p:cNvPr id="35843" name="Slide Number Placeholder 3"/>
+          <p:cNvPr id="37891" name="Slide Number Placeholder 3"/>
           <p:cNvSpPr>
             <a:spLocks noGrp="1"/>
           </p:cNvSpPr>
@@ -1126,7 +1126,7 @@
           </a:lstStyle>
           <a:p>
             <a:pPr eaLnBrk="1" hangingPunct="1"/>
-            <a:fld id="{C3E2794A-3C79-1A4A-9E30-9F280928BA80}" type="slidenum">
+            <a:fld id="{AADED802-901E-B247-A1E5-D6083E21D631}" type="slidenum">
               <a:rPr lang="en-US" sz="1200">
                 <a:latin typeface="Calibri" charset="0"/>
               </a:rPr>
@@ -1166,7 +1166,7 @@
       </p:grpSpPr>
       <p:sp>
         <p:nvSpPr>
-          <p:cNvPr id="37889" name="Slide Image Placeholder 1"/>
+          <p:cNvPr id="39937" name="Slide Image Placeholder 1"/>
           <p:cNvSpPr>
             <a:spLocks noGrp="1" noRot="1" noChangeAspect="1" noTextEdit="1"/>
           </p:cNvSpPr>
@@ -1200,7 +1200,7 @@
       </p:sp>
       <p:sp>
         <p:nvSpPr>
-          <p:cNvPr id="37890" name="Notes Placeholder 2"/>
+          <p:cNvPr id="39938" name="Notes Placeholder 2"/>
           <p:cNvSpPr>
             <a:spLocks noGrp="1"/>
           </p:cNvSpPr>
@@ -1254,7 +1254,7 @@
       </p:sp>
       <p:sp>
         <p:nvSpPr>
-          <p:cNvPr id="37891" name="Slide Number Placeholder 3"/>
+          <p:cNvPr id="39939" name="Slide Number Placeholder 3"/>
           <p:cNvSpPr>
             <a:spLocks noGrp="1"/>
           </p:cNvSpPr>
@@ -1396,7 +1396,7 @@
           </a:lstStyle>
           <a:p>
             <a:pPr eaLnBrk="1" hangingPunct="1"/>
-            <a:fld id="{AADED802-901E-B247-A1E5-D6083E21D631}" type="slidenum">
+            <a:fld id="{41B04811-75AE-2A41-817D-42A17D6CC14F}" type="slidenum">
               <a:rPr lang="en-US" sz="1200">
                 <a:latin typeface="Calibri" charset="0"/>
               </a:rPr>
@@ -1706,7 +1706,7 @@
       </p:grpSpPr>
       <p:sp>
         <p:nvSpPr>
-          <p:cNvPr id="39937" name="Slide Image Placeholder 1"/>
+          <p:cNvPr id="33793" name="Slide Image Placeholder 1"/>
           <p:cNvSpPr>
             <a:spLocks noGrp="1" noRot="1" noChangeAspect="1" noTextEdit="1"/>
           </p:cNvSpPr>
@@ -1740,7 +1740,7 @@
       </p:sp>
       <p:sp>
         <p:nvSpPr>
-          <p:cNvPr id="39938" name="Notes Placeholder 2"/>
+          <p:cNvPr id="33794" name="Notes Placeholder 2"/>
           <p:cNvSpPr>
             <a:spLocks noGrp="1"/>
           </p:cNvSpPr>
@@ -1794,7 +1794,7 @@
       </p:sp>
       <p:sp>
         <p:nvSpPr>
-          <p:cNvPr id="39939" name="Slide Number Placeholder 3"/>
+          <p:cNvPr id="33795" name="Slide Number Placeholder 3"/>
           <p:cNvSpPr>
             <a:spLocks noGrp="1"/>
           </p:cNvSpPr>
@@ -1936,7 +1936,7 @@
           </a:lstStyle>
           <a:p>
             <a:pPr eaLnBrk="1" hangingPunct="1"/>
-            <a:fld id="{41B04811-75AE-2A41-817D-42A17D6CC14F}" type="slidenum">
+            <a:fld id="{EB605A4D-2A51-354C-97C5-07D519337ADD}" type="slidenum">
               <a:rPr lang="en-US" sz="1200">
                 <a:latin typeface="Calibri" charset="0"/>
               </a:rPr>
@@ -2246,7 +2246,7 @@
       </p:grpSpPr>
       <p:sp>
         <p:nvSpPr>
-          <p:cNvPr id="33793" name="Slide Image Placeholder 1"/>
+          <p:cNvPr id="41985" name="Slide Image Placeholder 1"/>
           <p:cNvSpPr>
             <a:spLocks noGrp="1" noRot="1" noChangeAspect="1" noTextEdit="1"/>
           </p:cNvSpPr>
@@ -2280,7 +2280,7 @@
       </p:sp>
       <p:sp>
         <p:nvSpPr>
-          <p:cNvPr id="33794" name="Notes Placeholder 2"/>
+          <p:cNvPr id="41986" name="Notes Placeholder 2"/>
           <p:cNvSpPr>
             <a:spLocks noGrp="1"/>
           </p:cNvSpPr>
@@ -2334,7 +2334,7 @@
       </p:sp>
       <p:sp>
         <p:nvSpPr>
-          <p:cNvPr id="33795" name="Slide Number Placeholder 3"/>
+          <p:cNvPr id="41987" name="Slide Number Placeholder 3"/>
           <p:cNvSpPr>
             <a:spLocks noGrp="1"/>
           </p:cNvSpPr>
@@ -2476,7 +2476,7 @@
           </a:lstStyle>
           <a:p>
             <a:pPr eaLnBrk="1" hangingPunct="1"/>
-            <a:fld id="{EB605A4D-2A51-354C-97C5-07D519337ADD}" type="slidenum">
+            <a:fld id="{32A4EB9F-6B3D-BC44-B17F-7E2F464F83CC}" type="slidenum">
               <a:rPr lang="en-US" sz="1200">
                 <a:latin typeface="Calibri" charset="0"/>
               </a:rPr>
@@ -3326,7 +3326,7 @@
       </p:grpSpPr>
       <p:sp>
         <p:nvSpPr>
-          <p:cNvPr id="41985" name="Slide Image Placeholder 1"/>
+          <p:cNvPr id="33793" name="Slide Image Placeholder 1"/>
           <p:cNvSpPr>
             <a:spLocks noGrp="1" noRot="1" noChangeAspect="1" noTextEdit="1"/>
           </p:cNvSpPr>
@@ -3360,7 +3360,7 @@
       </p:sp>
       <p:sp>
         <p:nvSpPr>
-          <p:cNvPr id="41986" name="Notes Placeholder 2"/>
+          <p:cNvPr id="33794" name="Notes Placeholder 2"/>
           <p:cNvSpPr>
             <a:spLocks noGrp="1"/>
           </p:cNvSpPr>
@@ -3414,7 +3414,7 @@
       </p:sp>
       <p:sp>
         <p:nvSpPr>
-          <p:cNvPr id="41987" name="Slide Number Placeholder 3"/>
+          <p:cNvPr id="33795" name="Slide Number Placeholder 3"/>
           <p:cNvSpPr>
             <a:spLocks noGrp="1"/>
           </p:cNvSpPr>
@@ -3556,7 +3556,7 @@
           </a:lstStyle>
           <a:p>
             <a:pPr eaLnBrk="1" hangingPunct="1"/>
-            <a:fld id="{32A4EB9F-6B3D-BC44-B17F-7E2F464F83CC}" type="slidenum">
+            <a:fld id="{EB605A4D-2A51-354C-97C5-07D519337ADD}" type="slidenum">
               <a:rPr lang="en-US" sz="1200">
                 <a:latin typeface="Calibri" charset="0"/>
               </a:rPr>
@@ -4136,7 +4136,7 @@
       </p:grpSpPr>
       <p:sp>
         <p:nvSpPr>
-          <p:cNvPr id="33793" name="Slide Image Placeholder 1"/>
+          <p:cNvPr id="21505" name="Slide Image Placeholder 1"/>
           <p:cNvSpPr>
             <a:spLocks noGrp="1" noRot="1" noChangeAspect="1" noTextEdit="1"/>
           </p:cNvSpPr>
@@ -4170,7 +4170,7 @@
       </p:sp>
       <p:sp>
         <p:nvSpPr>
-          <p:cNvPr id="33794" name="Notes Placeholder 2"/>
+          <p:cNvPr id="21506" name="Notes Placeholder 2"/>
           <p:cNvSpPr>
             <a:spLocks noGrp="1"/>
           </p:cNvSpPr>
@@ -4224,7 +4224,7 @@
       </p:sp>
       <p:sp>
         <p:nvSpPr>
-          <p:cNvPr id="33795" name="Slide Number Placeholder 3"/>
+          <p:cNvPr id="21507" name="Slide Number Placeholder 3"/>
           <p:cNvSpPr>
             <a:spLocks noGrp="1"/>
           </p:cNvSpPr>
@@ -4366,7 +4366,7 @@
           </a:lstStyle>
           <a:p>
             <a:pPr eaLnBrk="1" hangingPunct="1"/>
-            <a:fld id="{EB605A4D-2A51-354C-97C5-07D519337ADD}" type="slidenum">
+            <a:fld id="{2E02FD02-3328-984B-BEAF-C90DC72BCB58}" type="slidenum">
               <a:rPr lang="en-US" sz="1200">
                 <a:latin typeface="Calibri" charset="0"/>
               </a:rPr>
@@ -4946,7 +4946,7 @@
       </p:grpSpPr>
       <p:sp>
         <p:nvSpPr>
-          <p:cNvPr id="21505" name="Slide Image Placeholder 1"/>
+          <p:cNvPr id="23553" name="Slide Image Placeholder 1"/>
           <p:cNvSpPr>
             <a:spLocks noGrp="1" noRot="1" noChangeAspect="1" noTextEdit="1"/>
           </p:cNvSpPr>
@@ -4980,7 +4980,7 @@
       </p:sp>
       <p:sp>
         <p:nvSpPr>
-          <p:cNvPr id="21506" name="Notes Placeholder 2"/>
+          <p:cNvPr id="23554" name="Notes Placeholder 2"/>
           <p:cNvSpPr>
             <a:spLocks noGrp="1"/>
           </p:cNvSpPr>
@@ -5034,7 +5034,7 @@
       </p:sp>
       <p:sp>
         <p:nvSpPr>
-          <p:cNvPr id="21507" name="Slide Number Placeholder 3"/>
+          <p:cNvPr id="23555" name="Slide Number Placeholder 3"/>
           <p:cNvSpPr>
             <a:spLocks noGrp="1"/>
           </p:cNvSpPr>
@@ -5176,7 +5176,7 @@
           </a:lstStyle>
           <a:p>
             <a:pPr eaLnBrk="1" hangingPunct="1"/>
-            <a:fld id="{2E02FD02-3328-984B-BEAF-C90DC72BCB58}" type="slidenum">
+            <a:fld id="{7B2BBA9A-4598-EA48-B423-D1220225BBE2}" type="slidenum">
               <a:rPr lang="en-US" sz="1200">
                 <a:latin typeface="Calibri" charset="0"/>
               </a:rPr>
@@ -5216,7 +5216,7 @@
       </p:grpSpPr>
       <p:sp>
         <p:nvSpPr>
-          <p:cNvPr id="23553" name="Slide Image Placeholder 1"/>
+          <p:cNvPr id="33793" name="Slide Image Placeholder 1"/>
           <p:cNvSpPr>
             <a:spLocks noGrp="1" noRot="1" noChangeAspect="1" noTextEdit="1"/>
           </p:cNvSpPr>
@@ -5250,7 +5250,7 @@
       </p:sp>
       <p:sp>
         <p:nvSpPr>
-          <p:cNvPr id="23554" name="Notes Placeholder 2"/>
+          <p:cNvPr id="33794" name="Notes Placeholder 2"/>
           <p:cNvSpPr>
             <a:spLocks noGrp="1"/>
           </p:cNvSpPr>
@@ -5304,7 +5304,7 @@
       </p:sp>
       <p:sp>
         <p:nvSpPr>
-          <p:cNvPr id="23555" name="Slide Number Placeholder 3"/>
+          <p:cNvPr id="33795" name="Slide Number Placeholder 3"/>
           <p:cNvSpPr>
             <a:spLocks noGrp="1"/>
           </p:cNvSpPr>
@@ -5446,7 +5446,7 @@
           </a:lstStyle>
           <a:p>
             <a:pPr eaLnBrk="1" hangingPunct="1"/>
-            <a:fld id="{7B2BBA9A-4598-EA48-B423-D1220225BBE2}" type="slidenum">
+            <a:fld id="{EB605A4D-2A51-354C-97C5-07D519337ADD}" type="slidenum">
               <a:rPr lang="en-US" sz="1200">
                 <a:latin typeface="Calibri" charset="0"/>
               </a:rPr>
@@ -5756,7 +5756,7 @@
       </p:grpSpPr>
       <p:sp>
         <p:nvSpPr>
-          <p:cNvPr id="33793" name="Slide Image Placeholder 1"/>
+          <p:cNvPr id="25601" name="Slide Image Placeholder 1"/>
           <p:cNvSpPr>
             <a:spLocks noGrp="1" noRot="1" noChangeAspect="1" noTextEdit="1"/>
           </p:cNvSpPr>
@@ -5790,7 +5790,7 @@
       </p:sp>
       <p:sp>
         <p:nvSpPr>
-          <p:cNvPr id="33794" name="Notes Placeholder 2"/>
+          <p:cNvPr id="25602" name="Notes Placeholder 2"/>
           <p:cNvSpPr>
             <a:spLocks noGrp="1"/>
           </p:cNvSpPr>
@@ -5844,7 +5844,7 @@
       </p:sp>
       <p:sp>
         <p:nvSpPr>
-          <p:cNvPr id="33795" name="Slide Number Placeholder 3"/>
+          <p:cNvPr id="25603" name="Slide Number Placeholder 3"/>
           <p:cNvSpPr>
             <a:spLocks noGrp="1"/>
           </p:cNvSpPr>
@@ -5986,7 +5986,7 @@
           </a:lstStyle>
           <a:p>
             <a:pPr eaLnBrk="1" hangingPunct="1"/>
-            <a:fld id="{EB605A4D-2A51-354C-97C5-07D519337ADD}" type="slidenum">
+            <a:fld id="{8E69E757-892B-3642-BFE5-4CA993E6DC59}" type="slidenum">
               <a:rPr lang="en-US" sz="1200">
                 <a:latin typeface="Calibri" charset="0"/>
               </a:rPr>
@@ -6026,7 +6026,7 @@
       </p:grpSpPr>
       <p:sp>
         <p:nvSpPr>
-          <p:cNvPr id="25601" name="Slide Image Placeholder 1"/>
+          <p:cNvPr id="33793" name="Slide Image Placeholder 1"/>
           <p:cNvSpPr>
             <a:spLocks noGrp="1" noRot="1" noChangeAspect="1" noTextEdit="1"/>
           </p:cNvSpPr>
@@ -6060,7 +6060,7 @@
       </p:sp>
       <p:sp>
         <p:nvSpPr>
-          <p:cNvPr id="25602" name="Notes Placeholder 2"/>
+          <p:cNvPr id="33794" name="Notes Placeholder 2"/>
           <p:cNvSpPr>
             <a:spLocks noGrp="1"/>
           </p:cNvSpPr>
@@ -6114,7 +6114,7 @@
       </p:sp>
       <p:sp>
         <p:nvSpPr>
-          <p:cNvPr id="25603" name="Slide Number Placeholder 3"/>
+          <p:cNvPr id="33795" name="Slide Number Placeholder 3"/>
           <p:cNvSpPr>
             <a:spLocks noGrp="1"/>
           </p:cNvSpPr>
@@ -6256,7 +6256,7 @@
           </a:lstStyle>
           <a:p>
             <a:pPr eaLnBrk="1" hangingPunct="1"/>
-            <a:fld id="{8E69E757-892B-3642-BFE5-4CA993E6DC59}" type="slidenum">
+            <a:fld id="{EB605A4D-2A51-354C-97C5-07D519337ADD}" type="slidenum">
               <a:rPr lang="en-US" sz="1200">
                 <a:latin typeface="Calibri" charset="0"/>
               </a:rPr>
@@ -6296,7 +6296,7 @@
       </p:grpSpPr>
       <p:sp>
         <p:nvSpPr>
-          <p:cNvPr id="33793" name="Slide Image Placeholder 1"/>
+          <p:cNvPr id="35841" name="Slide Image Placeholder 1"/>
           <p:cNvSpPr>
             <a:spLocks noGrp="1" noRot="1" noChangeAspect="1" noTextEdit="1"/>
           </p:cNvSpPr>
@@ -6330,7 +6330,7 @@
       </p:sp>
       <p:sp>
         <p:nvSpPr>
-          <p:cNvPr id="33794" name="Notes Placeholder 2"/>
+          <p:cNvPr id="35842" name="Notes Placeholder 2"/>
           <p:cNvSpPr>
             <a:spLocks noGrp="1"/>
           </p:cNvSpPr>
@@ -6384,7 +6384,7 @@
       </p:sp>
       <p:sp>
         <p:nvSpPr>
-          <p:cNvPr id="33795" name="Slide Number Placeholder 3"/>
+          <p:cNvPr id="35843" name="Slide Number Placeholder 3"/>
           <p:cNvSpPr>
             <a:spLocks noGrp="1"/>
           </p:cNvSpPr>
@@ -6526,7 +6526,7 @@
           </a:lstStyle>
           <a:p>
             <a:pPr eaLnBrk="1" hangingPunct="1"/>
-            <a:fld id="{EB605A4D-2A51-354C-97C5-07D519337ADD}" type="slidenum">
+            <a:fld id="{C3E2794A-3C79-1A4A-9E30-9F280928BA80}" type="slidenum">
               <a:rPr lang="en-US" sz="1200">
                 <a:latin typeface="Calibri" charset="0"/>
               </a:rPr>
@@ -6841,7 +6841,7 @@
               <a:pPr>
                 <a:defRPr/>
               </a:pPr>
-              <a:t>12/08/14</a:t>
+              <a:t>18/08/14</a:t>
             </a:fld>
             <a:endParaRPr lang="en-US"/>
           </a:p>
@@ -7166,7 +7166,7 @@
               <a:pPr>
                 <a:defRPr/>
               </a:pPr>
-              <a:t>12/08/14</a:t>
+              <a:t>18/08/14</a:t>
             </a:fld>
             <a:endParaRPr lang="en-US"/>
           </a:p>
@@ -7367,7 +7367,7 @@
               <a:pPr>
                 <a:defRPr/>
               </a:pPr>
-              <a:t>12/08/14</a:t>
+              <a:t>18/08/14</a:t>
             </a:fld>
             <a:endParaRPr lang="en-US"/>
           </a:p>
@@ -7578,7 +7578,7 @@
               <a:pPr>
                 <a:defRPr/>
               </a:pPr>
-              <a:t>12/08/14</a:t>
+              <a:t>18/08/14</a:t>
             </a:fld>
             <a:endParaRPr lang="en-US"/>
           </a:p>
@@ -7779,7 +7779,7 @@
               <a:pPr>
                 <a:defRPr/>
               </a:pPr>
-              <a:t>12/08/14</a:t>
+              <a:t>18/08/14</a:t>
             </a:fld>
             <a:endParaRPr lang="en-US"/>
           </a:p>
@@ -8133,7 +8133,7 @@
               <a:pPr>
                 <a:defRPr/>
               </a:pPr>
-              <a:t>12/08/14</a:t>
+              <a:t>18/08/14</a:t>
             </a:fld>
             <a:endParaRPr lang="en-US"/>
           </a:p>
@@ -8411,7 +8411,7 @@
               <a:pPr>
                 <a:defRPr/>
               </a:pPr>
-              <a:t>12/08/14</a:t>
+              <a:t>18/08/14</a:t>
             </a:fld>
             <a:endParaRPr lang="en-US"/>
           </a:p>
@@ -8741,7 +8741,7 @@
               <a:pPr>
                 <a:defRPr/>
               </a:pPr>
-              <a:t>12/08/14</a:t>
+              <a:t>18/08/14</a:t>
             </a:fld>
             <a:endParaRPr lang="en-US"/>
           </a:p>
@@ -9229,7 +9229,7 @@
               <a:pPr>
                 <a:defRPr/>
               </a:pPr>
-              <a:t>12/08/14</a:t>
+              <a:t>18/08/14</a:t>
             </a:fld>
             <a:endParaRPr lang="en-US"/>
           </a:p>
@@ -9374,7 +9374,7 @@
               <a:pPr>
                 <a:defRPr/>
               </a:pPr>
-              <a:t>12/08/14</a:t>
+              <a:t>18/08/14</a:t>
             </a:fld>
             <a:endParaRPr lang="en-US"/>
           </a:p>
@@ -9496,7 +9496,7 @@
               <a:pPr>
                 <a:defRPr/>
               </a:pPr>
-              <a:t>12/08/14</a:t>
+              <a:t>18/08/14</a:t>
             </a:fld>
             <a:endParaRPr lang="en-US"/>
           </a:p>
@@ -9810,7 +9810,7 @@
               <a:pPr>
                 <a:defRPr/>
               </a:pPr>
-              <a:t>12/08/14</a:t>
+              <a:t>18/08/14</a:t>
             </a:fld>
             <a:endParaRPr lang="en-US"/>
           </a:p>
@@ -10100,7 +10100,7 @@
               <a:pPr>
                 <a:defRPr/>
               </a:pPr>
-              <a:t>12/08/14</a:t>
+              <a:t>18/08/14</a:t>
             </a:fld>
             <a:endParaRPr lang="en-US"/>
           </a:p>
@@ -10734,7 +10734,7 @@
         </p:nvSpPr>
         <p:spPr>
           <a:xfrm>
-            <a:off x="533400" y="3810000"/>
+            <a:off x="533400" y="4191000"/>
             <a:ext cx="8056563" cy="1582738"/>
           </a:xfrm>
         </p:spPr>
@@ -10921,8 +10921,8 @@
         </p:nvSpPr>
         <p:spPr bwMode="auto">
           <a:xfrm>
-            <a:off x="1219200" y="1752600"/>
-            <a:ext cx="6629400" cy="2438400"/>
+            <a:off x="762000" y="1295400"/>
+            <a:ext cx="7772400" cy="3505200"/>
           </a:xfrm>
           <a:prstGeom prst="rect">
             <a:avLst/>
@@ -11108,6 +11108,38 @@
               </a:rPr>
               <a:t> </a:t>
             </a:r>
+            <a:endParaRPr lang="en-US" sz="3600" dirty="0">
+              <a:solidFill>
+                <a:schemeClr val="accent1"/>
+              </a:solidFill>
+              <a:latin typeface="News Gothic MT" charset="0"/>
+            </a:endParaRPr>
+          </a:p>
+          <a:p>
+            <a:r>
+              <a:rPr lang="en-US" sz="3600" dirty="0">
+                <a:solidFill>
+                  <a:schemeClr val="accent1"/>
+                </a:solidFill>
+                <a:latin typeface="News Gothic MT" charset="0"/>
+                <a:hlinkClick r:id="rId3"/>
+              </a:rPr>
+              <a:t>http://youtu.be/EoB7u0FhiLQ </a:t>
+            </a:r>
+            <a:endParaRPr lang="en-US" sz="3600" dirty="0">
+              <a:solidFill>
+                <a:schemeClr val="accent1"/>
+              </a:solidFill>
+              <a:latin typeface="News Gothic MT" charset="0"/>
+            </a:endParaRPr>
+          </a:p>
+          <a:p>
+            <a:endParaRPr lang="en-US" sz="3600" dirty="0">
+              <a:solidFill>
+                <a:schemeClr val="accent1"/>
+              </a:solidFill>
+              <a:latin typeface="News Gothic MT" charset="0"/>
+            </a:endParaRPr>
           </a:p>
         </p:txBody>
       </p:sp>
@@ -11145,7 +11177,7 @@
       </p:grpSpPr>
       <p:sp>
         <p:nvSpPr>
-          <p:cNvPr id="32769" name="Rectangle 3"/>
+          <p:cNvPr id="34817" name="Rectangle 3"/>
           <p:cNvSpPr>
             <a:spLocks noGrp="1"/>
           </p:cNvSpPr>
@@ -11165,12 +11197,12 @@
           <a:p>
             <a:pPr eaLnBrk="1" hangingPunct="1"/>
             <a:r>
-              <a:rPr lang="en-US" dirty="0" smtClean="0">
+              <a:rPr lang="en-US" sz="4000" dirty="0" smtClean="0">
                 <a:latin typeface="News Gothic MT" charset="0"/>
               </a:rPr>
-              <a:t>Login &amp; Sign Up</a:t>
+              <a:t>Home Screen &amp; Menu Options</a:t>
             </a:r>
-            <a:endParaRPr lang="en-US" dirty="0">
+            <a:endParaRPr lang="en-US" sz="4000" dirty="0">
               <a:latin typeface="News Gothic MT" charset="0"/>
             </a:endParaRPr>
           </a:p>
@@ -11178,7 +11210,7 @@
       </p:sp>
       <p:pic>
         <p:nvPicPr>
-          <p:cNvPr id="2" name="Picture 1" descr="LoginScreen.png"/>
+          <p:cNvPr id="3" name="Picture 2" descr="HomeScreen.png"/>
           <p:cNvPicPr>
             <a:picLocks noChangeAspect="1"/>
           </p:cNvPicPr>
@@ -11199,7 +11231,7 @@
         <p:spPr>
           <a:xfrm>
             <a:off x="1524000" y="1219200"/>
-            <a:ext cx="2767733" cy="5119607"/>
+            <a:ext cx="2677663" cy="4953000"/>
           </a:xfrm>
           <a:prstGeom prst="rect">
             <a:avLst/>
@@ -11208,7 +11240,7 @@
       </p:pic>
       <p:pic>
         <p:nvPicPr>
-          <p:cNvPr id="3" name="Picture 2" descr="SignUp.png"/>
+          <p:cNvPr id="2" name="Picture 1" descr="MenuOptions.png"/>
           <p:cNvPicPr>
             <a:picLocks noChangeAspect="1"/>
           </p:cNvPicPr>
@@ -11228,8 +11260,8 @@
         </p:blipFill>
         <p:spPr>
           <a:xfrm>
-            <a:off x="4876800" y="1219200"/>
-            <a:ext cx="2760052" cy="5105400"/>
+            <a:off x="4678732" y="1143000"/>
+            <a:ext cx="2712668" cy="5017751"/>
           </a:xfrm>
           <a:prstGeom prst="rect">
             <a:avLst/>
@@ -11237,11 +11269,6 @@
         </p:spPr>
       </p:pic>
     </p:spTree>
-    <p:extLst>
-      <p:ext uri="{BB962C8B-B14F-4D97-AF65-F5344CB8AC3E}">
-        <p14:creationId xmlns:p14="http://schemas.microsoft.com/office/powerpoint/2010/main" val="3547389025"/>
-      </p:ext>
-    </p:extLst>
   </p:cSld>
   <p:clrMapOvr>
     <a:masterClrMapping/>
@@ -11275,7 +11302,7 @@
       </p:grpSpPr>
       <p:sp>
         <p:nvSpPr>
-          <p:cNvPr id="34817" name="Rectangle 3"/>
+          <p:cNvPr id="36865" name="Rectangle 3"/>
           <p:cNvSpPr>
             <a:spLocks noGrp="1"/>
           </p:cNvSpPr>
@@ -11285,7 +11312,7 @@
         </p:nvSpPr>
         <p:spPr>
           <a:xfrm>
-            <a:off x="685800" y="304800"/>
+            <a:off x="685800" y="228600"/>
             <a:ext cx="7772400" cy="679450"/>
           </a:xfrm>
         </p:spPr>
@@ -11295,12 +11322,12 @@
           <a:p>
             <a:pPr eaLnBrk="1" hangingPunct="1"/>
             <a:r>
-              <a:rPr lang="en-US" sz="4000" dirty="0" smtClean="0">
+              <a:rPr lang="en-US" dirty="0" smtClean="0">
                 <a:latin typeface="News Gothic MT" charset="0"/>
               </a:rPr>
-              <a:t>Home Screen &amp; Menu Options</a:t>
+              <a:t>My Prescription &amp; AddRX</a:t>
             </a:r>
-            <a:endParaRPr lang="en-US" sz="4000" dirty="0">
+            <a:endParaRPr lang="en-US" dirty="0">
               <a:latin typeface="News Gothic MT" charset="0"/>
             </a:endParaRPr>
           </a:p>
@@ -11308,7 +11335,7 @@
       </p:sp>
       <p:pic>
         <p:nvPicPr>
-          <p:cNvPr id="3" name="Picture 2" descr="HomeScreen.png"/>
+          <p:cNvPr id="2" name="Picture 1" descr="MyPrescriptions.png"/>
           <p:cNvPicPr>
             <a:picLocks noChangeAspect="1"/>
           </p:cNvPicPr>
@@ -11328,8 +11355,8 @@
         </p:blipFill>
         <p:spPr>
           <a:xfrm>
-            <a:off x="1524000" y="1219200"/>
-            <a:ext cx="2677663" cy="4953000"/>
+            <a:off x="1524000" y="1066800"/>
+            <a:ext cx="2666999" cy="4933275"/>
           </a:xfrm>
           <a:prstGeom prst="rect">
             <a:avLst/>
@@ -11338,7 +11365,7 @@
       </p:pic>
       <p:pic>
         <p:nvPicPr>
-          <p:cNvPr id="2" name="Picture 1" descr="MenuOptions.png"/>
+          <p:cNvPr id="3" name="Picture 2" descr="AddRX.png"/>
           <p:cNvPicPr>
             <a:picLocks noChangeAspect="1"/>
           </p:cNvPicPr>
@@ -11358,8 +11385,8 @@
         </p:blipFill>
         <p:spPr>
           <a:xfrm>
-            <a:off x="4678732" y="1143000"/>
-            <a:ext cx="2712668" cy="5017751"/>
+            <a:off x="4800600" y="1066800"/>
+            <a:ext cx="2667000" cy="4933277"/>
           </a:xfrm>
           <a:prstGeom prst="rect">
             <a:avLst/>
@@ -11400,7 +11427,7 @@
       </p:grpSpPr>
       <p:sp>
         <p:nvSpPr>
-          <p:cNvPr id="36865" name="Rectangle 3"/>
+          <p:cNvPr id="38913" name="Rectangle 3"/>
           <p:cNvSpPr>
             <a:spLocks noGrp="1"/>
           </p:cNvSpPr>
@@ -11420,12 +11447,12 @@
           <a:p>
             <a:pPr eaLnBrk="1" hangingPunct="1"/>
             <a:r>
-              <a:rPr lang="en-US" dirty="0" smtClean="0">
+              <a:rPr lang="en-US" sz="3200" dirty="0" smtClean="0">
                 <a:latin typeface="News Gothic MT" charset="0"/>
               </a:rPr>
-              <a:t>My Prescription &amp; AddRX</a:t>
+              <a:t>Search Prescriber &amp; Prescriber Details</a:t>
             </a:r>
-            <a:endParaRPr lang="en-US" dirty="0">
+            <a:endParaRPr lang="en-US" sz="3200" dirty="0">
               <a:latin typeface="News Gothic MT" charset="0"/>
             </a:endParaRPr>
           </a:p>
@@ -11433,7 +11460,7 @@
       </p:sp>
       <p:pic>
         <p:nvPicPr>
-          <p:cNvPr id="2" name="Picture 1" descr="MyPrescriptions.png"/>
+          <p:cNvPr id="2" name="Picture 1" descr="SearchPrescriber.png"/>
           <p:cNvPicPr>
             <a:picLocks noChangeAspect="1"/>
           </p:cNvPicPr>
@@ -11453,8 +11480,8 @@
         </p:blipFill>
         <p:spPr>
           <a:xfrm>
-            <a:off x="1524000" y="1066800"/>
-            <a:ext cx="2666999" cy="4933275"/>
+            <a:off x="1676400" y="1143000"/>
+            <a:ext cx="2718858" cy="5029200"/>
           </a:xfrm>
           <a:prstGeom prst="rect">
             <a:avLst/>
@@ -11463,7 +11490,7 @@
       </p:pic>
       <p:pic>
         <p:nvPicPr>
-          <p:cNvPr id="3" name="Picture 2" descr="AddRX.png"/>
+          <p:cNvPr id="3" name="Picture 2" descr="PrescriberDetails.png"/>
           <p:cNvPicPr>
             <a:picLocks noChangeAspect="1"/>
           </p:cNvPicPr>
@@ -11483,8 +11510,8 @@
         </p:blipFill>
         <p:spPr>
           <a:xfrm>
-            <a:off x="4800600" y="1066800"/>
-            <a:ext cx="2667000" cy="4933277"/>
+            <a:off x="4953000" y="1143000"/>
+            <a:ext cx="2677663" cy="4953000"/>
           </a:xfrm>
           <a:prstGeom prst="rect">
             <a:avLst/>
@@ -11548,7 +11575,7 @@
               <a:rPr lang="en-US" sz="3200" dirty="0" smtClean="0">
                 <a:latin typeface="News Gothic MT" charset="0"/>
               </a:rPr>
-              <a:t>Search Prescriber &amp; Prescriber Details</a:t>
+              <a:t>Search Drug &amp; Drug Details</a:t>
             </a:r>
             <a:endParaRPr lang="en-US" sz="3200" dirty="0">
               <a:latin typeface="News Gothic MT" charset="0"/>
@@ -11558,7 +11585,7 @@
       </p:sp>
       <p:pic>
         <p:nvPicPr>
-          <p:cNvPr id="2" name="Picture 1" descr="SearchPrescriber.png"/>
+          <p:cNvPr id="4" name="Picture 3" descr="SearchDrugs.png"/>
           <p:cNvPicPr>
             <a:picLocks noChangeAspect="1"/>
           </p:cNvPicPr>
@@ -11577,9 +11604,9 @@
           </a:stretch>
         </p:blipFill>
         <p:spPr>
-          <a:xfrm>
-            <a:off x="1676400" y="1143000"/>
-            <a:ext cx="2718858" cy="5029200"/>
+          <a:xfrm rot="16200000">
+            <a:off x="162792" y="2199408"/>
+            <a:ext cx="5237017" cy="3124200"/>
           </a:xfrm>
           <a:prstGeom prst="rect">
             <a:avLst/>
@@ -11588,7 +11615,7 @@
       </p:pic>
       <p:pic>
         <p:nvPicPr>
-          <p:cNvPr id="3" name="Picture 2" descr="PrescriberDetails.png"/>
+          <p:cNvPr id="6" name="Picture 5" descr="DrugDetails.png"/>
           <p:cNvPicPr>
             <a:picLocks noChangeAspect="1"/>
           </p:cNvPicPr>
@@ -11608,8 +11635,8 @@
         </p:blipFill>
         <p:spPr>
           <a:xfrm>
-            <a:off x="4953000" y="1143000"/>
-            <a:ext cx="2677663" cy="4953000"/>
+            <a:off x="4800601" y="1143000"/>
+            <a:ext cx="2842442" cy="5257800"/>
           </a:xfrm>
           <a:prstGeom prst="rect">
             <a:avLst/>
@@ -11617,6 +11644,11 @@
         </p:spPr>
       </p:pic>
     </p:spTree>
+    <p:extLst>
+      <p:ext uri="{BB962C8B-B14F-4D97-AF65-F5344CB8AC3E}">
+        <p14:creationId xmlns:p14="http://schemas.microsoft.com/office/powerpoint/2010/main" val="272011952"/>
+      </p:ext>
+    </p:extLst>
   </p:cSld>
   <p:clrMapOvr>
     <a:masterClrMapping/>
@@ -11650,7 +11682,7 @@
       </p:grpSpPr>
       <p:sp>
         <p:nvSpPr>
-          <p:cNvPr id="38913" name="Rectangle 3"/>
+          <p:cNvPr id="32769" name="Rectangle 3"/>
           <p:cNvSpPr>
             <a:spLocks noGrp="1"/>
           </p:cNvSpPr>
@@ -11660,7 +11692,7 @@
         </p:nvSpPr>
         <p:spPr>
           <a:xfrm>
-            <a:off x="685800" y="228600"/>
+            <a:off x="685800" y="304800"/>
             <a:ext cx="7772400" cy="679450"/>
           </a:xfrm>
         </p:spPr>
@@ -11670,12 +11702,12 @@
           <a:p>
             <a:pPr eaLnBrk="1" hangingPunct="1"/>
             <a:r>
-              <a:rPr lang="en-US" sz="3200" dirty="0" smtClean="0">
+              <a:rPr lang="en-US" sz="3600" dirty="0" smtClean="0">
                 <a:latin typeface="News Gothic MT" charset="0"/>
               </a:rPr>
-              <a:t>Search Drug &amp; Drug Details</a:t>
+              <a:t>Prescription Refill – Walgreens API</a:t>
             </a:r>
-            <a:endParaRPr lang="en-US" sz="3200" dirty="0">
+            <a:endParaRPr lang="en-US" sz="3600" dirty="0">
               <a:latin typeface="News Gothic MT" charset="0"/>
             </a:endParaRPr>
           </a:p>
@@ -11683,7 +11715,7 @@
       </p:sp>
       <p:pic>
         <p:nvPicPr>
-          <p:cNvPr id="4" name="Picture 3" descr="SearchDrugs.png"/>
+          <p:cNvPr id="4" name="Picture 3" descr="RXRefillWalgreens.png"/>
           <p:cNvPicPr>
             <a:picLocks noChangeAspect="1"/>
           </p:cNvPicPr>
@@ -11702,9 +11734,9 @@
           </a:stretch>
         </p:blipFill>
         <p:spPr>
-          <a:xfrm rot="16200000">
-            <a:off x="162792" y="2199408"/>
-            <a:ext cx="5237017" cy="3124200"/>
+          <a:xfrm>
+            <a:off x="1752600" y="1447800"/>
+            <a:ext cx="2512883" cy="4648200"/>
           </a:xfrm>
           <a:prstGeom prst="rect">
             <a:avLst/>
@@ -11713,7 +11745,7 @@
       </p:pic>
       <p:pic>
         <p:nvPicPr>
-          <p:cNvPr id="6" name="Picture 5" descr="DrugDetails.png"/>
+          <p:cNvPr id="6" name="Picture 5" descr="RXRefillConfirmationWalgreens.png"/>
           <p:cNvPicPr>
             <a:picLocks noChangeAspect="1"/>
           </p:cNvPicPr>
@@ -11733,8 +11765,8 @@
         </p:blipFill>
         <p:spPr>
           <a:xfrm>
-            <a:off x="4800601" y="1143000"/>
-            <a:ext cx="2842442" cy="5257800"/>
+            <a:off x="4724400" y="1447800"/>
+            <a:ext cx="2512883" cy="4648200"/>
           </a:xfrm>
           <a:prstGeom prst="rect">
             <a:avLst/>
@@ -11744,7 +11776,7 @@
     </p:spTree>
     <p:extLst>
       <p:ext uri="{BB962C8B-B14F-4D97-AF65-F5344CB8AC3E}">
-        <p14:creationId xmlns:p14="http://schemas.microsoft.com/office/powerpoint/2010/main" val="272011952"/>
+        <p14:creationId xmlns:p14="http://schemas.microsoft.com/office/powerpoint/2010/main" val="3808488585"/>
       </p:ext>
     </p:extLst>
   </p:cSld>
@@ -11803,7 +11835,7 @@
               <a:rPr lang="en-US" sz="3600" dirty="0" smtClean="0">
                 <a:latin typeface="News Gothic MT" charset="0"/>
               </a:rPr>
-              <a:t>Prescription Refill – Walgreens API</a:t>
+              <a:t>Record Refill</a:t>
             </a:r>
             <a:endParaRPr lang="en-US" sz="3600" dirty="0">
               <a:latin typeface="News Gothic MT" charset="0"/>
@@ -11813,7 +11845,7 @@
       </p:sp>
       <p:pic>
         <p:nvPicPr>
-          <p:cNvPr id="4" name="Picture 3" descr="RXRefillWalgreens.png"/>
+          <p:cNvPr id="2" name="Picture 1" descr="RecordRefill.png"/>
           <p:cNvPicPr>
             <a:picLocks noChangeAspect="1"/>
           </p:cNvPicPr>
@@ -11833,48 +11865,18 @@
         </p:blipFill>
         <p:spPr>
           <a:xfrm>
-            <a:off x="1752600" y="1447800"/>
-            <a:ext cx="2512883" cy="4648200"/>
+            <a:off x="3352800" y="1295400"/>
+            <a:ext cx="2471689" cy="4572000"/>
           </a:xfrm>
           <a:prstGeom prst="rect">
             <a:avLst/>
           </a:prstGeom>
         </p:spPr>
       </p:pic>
-      <p:pic>
-        <p:nvPicPr>
-          <p:cNvPr id="6" name="Picture 5" descr="RXRefillConfirmationWalgreens.png"/>
-          <p:cNvPicPr>
-            <a:picLocks noChangeAspect="1"/>
-          </p:cNvPicPr>
-          <p:nvPr/>
-        </p:nvPicPr>
-        <p:blipFill>
-          <a:blip r:embed="rId4">
-            <a:extLst>
-              <a:ext uri="{28A0092B-C50C-407E-A947-70E740481C1C}">
-                <a14:useLocalDpi xmlns:a14="http://schemas.microsoft.com/office/drawing/2010/main" val="0"/>
-              </a:ext>
-            </a:extLst>
-          </a:blip>
-          <a:stretch>
-            <a:fillRect/>
-          </a:stretch>
-        </p:blipFill>
-        <p:spPr>
-          <a:xfrm>
-            <a:off x="4724400" y="1447800"/>
-            <a:ext cx="2512883" cy="4648200"/>
-          </a:xfrm>
-          <a:prstGeom prst="rect">
-            <a:avLst/>
-          </a:prstGeom>
-        </p:spPr>
-      </p:pic>
     </p:spTree>
     <p:extLst>
       <p:ext uri="{BB962C8B-B14F-4D97-AF65-F5344CB8AC3E}">
-        <p14:creationId xmlns:p14="http://schemas.microsoft.com/office/powerpoint/2010/main" val="3808488585"/>
+        <p14:creationId xmlns:p14="http://schemas.microsoft.com/office/powerpoint/2010/main" val="1526694760"/>
       </p:ext>
     </p:extLst>
   </p:cSld>
@@ -11910,7 +11912,7 @@
       </p:grpSpPr>
       <p:sp>
         <p:nvSpPr>
-          <p:cNvPr id="32769" name="Rectangle 3"/>
+          <p:cNvPr id="40961" name="Rectangle 3"/>
           <p:cNvSpPr>
             <a:spLocks noGrp="1"/>
           </p:cNvSpPr>
@@ -11920,7 +11922,7 @@
         </p:nvSpPr>
         <p:spPr>
           <a:xfrm>
-            <a:off x="685800" y="304800"/>
+            <a:off x="685800" y="152400"/>
             <a:ext cx="7772400" cy="679450"/>
           </a:xfrm>
         </p:spPr>
@@ -11930,12 +11932,12 @@
           <a:p>
             <a:pPr eaLnBrk="1" hangingPunct="1"/>
             <a:r>
-              <a:rPr lang="en-US" sz="3600" dirty="0" smtClean="0">
+              <a:rPr lang="en-US" sz="4000" dirty="0" smtClean="0">
                 <a:latin typeface="News Gothic MT" charset="0"/>
               </a:rPr>
-              <a:t>Record Refill</a:t>
+              <a:t>Health Plan &amp; Plan Details</a:t>
             </a:r>
-            <a:endParaRPr lang="en-US" sz="3600" dirty="0">
+            <a:endParaRPr lang="en-US" sz="4000" dirty="0">
               <a:latin typeface="News Gothic MT" charset="0"/>
             </a:endParaRPr>
           </a:p>
@@ -11943,7 +11945,7 @@
       </p:sp>
       <p:pic>
         <p:nvPicPr>
-          <p:cNvPr id="2" name="Picture 1" descr="RecordRefill.png"/>
+          <p:cNvPr id="5" name="Picture 4" descr="HealthPlan.png"/>
           <p:cNvPicPr>
             <a:picLocks noChangeAspect="1"/>
           </p:cNvPicPr>
@@ -11963,20 +11965,45 @@
         </p:blipFill>
         <p:spPr>
           <a:xfrm>
-            <a:off x="3352800" y="1295400"/>
-            <a:ext cx="2471689" cy="4572000"/>
+            <a:off x="1431362" y="990600"/>
+            <a:ext cx="2760053" cy="5105400"/>
           </a:xfrm>
           <a:prstGeom prst="rect">
             <a:avLst/>
           </a:prstGeom>
         </p:spPr>
       </p:pic>
+      <p:pic>
+        <p:nvPicPr>
+          <p:cNvPr id="6" name="Picture 5" descr="HealthPlanDetails.png"/>
+          <p:cNvPicPr>
+            <a:picLocks noChangeAspect="1"/>
+          </p:cNvPicPr>
+          <p:nvPr/>
+        </p:nvPicPr>
+        <p:blipFill>
+          <a:blip r:embed="rId4">
+            <a:extLst>
+              <a:ext uri="{28A0092B-C50C-407E-A947-70E740481C1C}">
+                <a14:useLocalDpi xmlns:a14="http://schemas.microsoft.com/office/drawing/2010/main" val="0"/>
+              </a:ext>
+            </a:extLst>
+          </a:blip>
+          <a:stretch>
+            <a:fillRect/>
+          </a:stretch>
+        </p:blipFill>
+        <p:spPr>
+          <a:xfrm>
+            <a:off x="4648200" y="990600"/>
+            <a:ext cx="2743200" cy="5074228"/>
+          </a:xfrm>
+          <a:prstGeom prst="rect">
+            <a:avLst/>
+          </a:prstGeom>
+        </p:spPr>
+      </p:pic>
     </p:spTree>
-    <p:extLst>
-      <p:ext uri="{BB962C8B-B14F-4D97-AF65-F5344CB8AC3E}">
-        <p14:creationId xmlns:p14="http://schemas.microsoft.com/office/powerpoint/2010/main" val="1526694760"/>
-      </p:ext>
-    </p:extLst>
   </p:cSld>
   <p:clrMapOvr>
     <a:masterClrMapping/>
@@ -12033,7 +12060,7 @@
               <a:rPr lang="en-US" sz="4000" dirty="0" smtClean="0">
                 <a:latin typeface="News Gothic MT" charset="0"/>
               </a:rPr>
-              <a:t>Health Plan &amp; Plan Details</a:t>
+              <a:t>Health Reports</a:t>
             </a:r>
             <a:endParaRPr lang="en-US" sz="4000" dirty="0">
               <a:latin typeface="News Gothic MT" charset="0"/>
@@ -12043,7 +12070,7 @@
       </p:sp>
       <p:pic>
         <p:nvPicPr>
-          <p:cNvPr id="5" name="Picture 4" descr="HealthPlan.png"/>
+          <p:cNvPr id="2" name="Picture 1" descr="HealthReports.png"/>
           <p:cNvPicPr>
             <a:picLocks noChangeAspect="1"/>
           </p:cNvPicPr>
@@ -12063,8 +12090,8 @@
         </p:blipFill>
         <p:spPr>
           <a:xfrm>
-            <a:off x="1431362" y="990600"/>
-            <a:ext cx="2760053" cy="5105400"/>
+            <a:off x="1447800" y="990600"/>
+            <a:ext cx="2767733" cy="5119607"/>
           </a:xfrm>
           <a:prstGeom prst="rect">
             <a:avLst/>
@@ -12073,7 +12100,7 @@
       </p:pic>
       <p:pic>
         <p:nvPicPr>
-          <p:cNvPr id="6" name="Picture 5" descr="HealthPlanDetails.png"/>
+          <p:cNvPr id="4" name="Picture 3" descr="HealthReportsHistory.png"/>
           <p:cNvPicPr>
             <a:picLocks noChangeAspect="1"/>
           </p:cNvPicPr>
@@ -12093,8 +12120,8 @@
         </p:blipFill>
         <p:spPr>
           <a:xfrm>
-            <a:off x="4648200" y="990600"/>
-            <a:ext cx="2743200" cy="5074228"/>
+            <a:off x="4841795" y="990600"/>
+            <a:ext cx="2760052" cy="5105400"/>
           </a:xfrm>
           <a:prstGeom prst="rect">
             <a:avLst/>
@@ -12102,6 +12129,11 @@
         </p:spPr>
       </p:pic>
     </p:spTree>
+    <p:extLst>
+      <p:ext uri="{BB962C8B-B14F-4D97-AF65-F5344CB8AC3E}">
+        <p14:creationId xmlns:p14="http://schemas.microsoft.com/office/powerpoint/2010/main" val="3203576970"/>
+      </p:ext>
+    </p:extLst>
   </p:cSld>
   <p:clrMapOvr>
     <a:masterClrMapping/>
@@ -12158,7 +12190,7 @@
               <a:rPr lang="en-US" sz="4000" dirty="0" smtClean="0">
                 <a:latin typeface="News Gothic MT" charset="0"/>
               </a:rPr>
-              <a:t>Health Reports</a:t>
+              <a:t>Expense Reports</a:t>
             </a:r>
             <a:endParaRPr lang="en-US" sz="4000" dirty="0">
               <a:latin typeface="News Gothic MT" charset="0"/>
@@ -12168,7 +12200,7 @@
       </p:sp>
       <p:pic>
         <p:nvPicPr>
-          <p:cNvPr id="2" name="Picture 1" descr="HealthReports.png"/>
+          <p:cNvPr id="3" name="Picture 2" descr="ExpenseReport.png"/>
           <p:cNvPicPr>
             <a:picLocks noChangeAspect="1"/>
           </p:cNvPicPr>
@@ -12188,8 +12220,8 @@
         </p:blipFill>
         <p:spPr>
           <a:xfrm>
-            <a:off x="1447800" y="990600"/>
-            <a:ext cx="2767733" cy="5119607"/>
+            <a:off x="1219200" y="1066800"/>
+            <a:ext cx="2971800" cy="5105400"/>
           </a:xfrm>
           <a:prstGeom prst="rect">
             <a:avLst/>
@@ -12198,7 +12230,7 @@
       </p:pic>
       <p:pic>
         <p:nvPicPr>
-          <p:cNvPr id="4" name="Picture 3" descr="HealthReportsHistory.png"/>
+          <p:cNvPr id="5" name="Picture 4" descr="ExpenseReportPieChart.png"/>
           <p:cNvPicPr>
             <a:picLocks noChangeAspect="1"/>
           </p:cNvPicPr>
@@ -12218,8 +12250,8 @@
         </p:blipFill>
         <p:spPr>
           <a:xfrm>
-            <a:off x="4841795" y="990600"/>
-            <a:ext cx="2760052" cy="5105400"/>
+            <a:off x="4648200" y="1111102"/>
+            <a:ext cx="3200400" cy="5061098"/>
           </a:xfrm>
           <a:prstGeom prst="rect">
             <a:avLst/>
@@ -12229,7 +12261,7 @@
     </p:spTree>
     <p:extLst>
       <p:ext uri="{BB962C8B-B14F-4D97-AF65-F5344CB8AC3E}">
-        <p14:creationId xmlns:p14="http://schemas.microsoft.com/office/powerpoint/2010/main" val="3203576970"/>
+        <p14:creationId xmlns:p14="http://schemas.microsoft.com/office/powerpoint/2010/main" val="3999512979"/>
       </p:ext>
     </p:extLst>
   </p:cSld>
@@ -12275,7 +12307,7 @@
         </p:nvSpPr>
         <p:spPr>
           <a:xfrm>
-            <a:off x="685800" y="152400"/>
+            <a:off x="685800" y="311150"/>
             <a:ext cx="7772400" cy="679450"/>
           </a:xfrm>
         </p:spPr>
@@ -12288,7 +12320,7 @@
               <a:rPr lang="en-US" sz="4000" dirty="0" smtClean="0">
                 <a:latin typeface="News Gothic MT" charset="0"/>
               </a:rPr>
-              <a:t>Expense Reports</a:t>
+              <a:t>Nearby Hospitals / Pharmacies</a:t>
             </a:r>
             <a:endParaRPr lang="en-US" sz="4000" dirty="0">
               <a:latin typeface="News Gothic MT" charset="0"/>
@@ -12298,7 +12330,7 @@
       </p:sp>
       <p:pic>
         <p:nvPicPr>
-          <p:cNvPr id="3" name="Picture 2" descr="ExpenseReport.png"/>
+          <p:cNvPr id="6" name="Picture 5" descr="NearByHospitals.png"/>
           <p:cNvPicPr>
             <a:picLocks noChangeAspect="1"/>
           </p:cNvPicPr>
@@ -12318,48 +12350,18 @@
         </p:blipFill>
         <p:spPr>
           <a:xfrm>
-            <a:off x="1219200" y="1066800"/>
-            <a:ext cx="2971800" cy="5105400"/>
+            <a:off x="609600" y="1295400"/>
+            <a:ext cx="8052522" cy="4600477"/>
           </a:xfrm>
           <a:prstGeom prst="rect">
             <a:avLst/>
           </a:prstGeom>
         </p:spPr>
       </p:pic>
-      <p:pic>
-        <p:nvPicPr>
-          <p:cNvPr id="5" name="Picture 4" descr="ExpenseReportPieChart.png"/>
-          <p:cNvPicPr>
-            <a:picLocks noChangeAspect="1"/>
-          </p:cNvPicPr>
-          <p:nvPr/>
-        </p:nvPicPr>
-        <p:blipFill>
-          <a:blip r:embed="rId4">
-            <a:extLst>
-              <a:ext uri="{28A0092B-C50C-407E-A947-70E740481C1C}">
-                <a14:useLocalDpi xmlns:a14="http://schemas.microsoft.com/office/drawing/2010/main" val="0"/>
-              </a:ext>
-            </a:extLst>
-          </a:blip>
-          <a:stretch>
-            <a:fillRect/>
-          </a:stretch>
-        </p:blipFill>
-        <p:spPr>
-          <a:xfrm>
-            <a:off x="4648200" y="1111102"/>
-            <a:ext cx="3200400" cy="5061098"/>
-          </a:xfrm>
-          <a:prstGeom prst="rect">
-            <a:avLst/>
-          </a:prstGeom>
-        </p:spPr>
-      </p:pic>
     </p:spTree>
     <p:extLst>
       <p:ext uri="{BB962C8B-B14F-4D97-AF65-F5344CB8AC3E}">
-        <p14:creationId xmlns:p14="http://schemas.microsoft.com/office/powerpoint/2010/main" val="3999512979"/>
+        <p14:creationId xmlns:p14="http://schemas.microsoft.com/office/powerpoint/2010/main" val="129130085"/>
       </p:ext>
     </p:extLst>
   </p:cSld>
@@ -12415,7 +12417,7 @@
           <a:p>
             <a:pPr eaLnBrk="1" hangingPunct="1"/>
             <a:r>
-              <a:rPr lang="en-US">
+              <a:rPr lang="en-US" dirty="0">
                 <a:latin typeface="News Gothic MT" charset="0"/>
               </a:rPr>
               <a:t>DROID NURSE</a:t>
@@ -12543,23 +12545,7 @@
                 <a:ea typeface="+mn-ea"/>
                 <a:cs typeface="Calibri"/>
               </a:rPr>
-              <a:t>The main objective of this project is to create an interactive mobile application(Android) that collects user’s prescriptions and health metrics to provide him/her with an overview of the medications consumed, status of the prescriptions, online prescription refill, track expenses, search for physician details and drugs thereby taking a step ahead in simplifying </a:t>
-            </a:r>
-            <a:r>
-              <a:rPr lang="en-US" sz="2400" dirty="0" smtClean="0">
-                <a:latin typeface="Calibri"/>
-                <a:ea typeface="+mn-ea"/>
-                <a:cs typeface="Calibri"/>
-              </a:rPr>
-              <a:t>daily tasks</a:t>
-            </a:r>
-            <a:r>
-              <a:rPr lang="en-US" sz="2400" dirty="0" smtClean="0">
-                <a:latin typeface="Calibri"/>
-                <a:ea typeface="+mn-ea"/>
-                <a:cs typeface="Calibri"/>
-              </a:rPr>
-              <a:t>.</a:t>
+              <a:t>The main objective of this project is to create an interactive mobile application(Android) that collects user’s prescriptions and health metrics to provide him/her with an overview of the medications consumed, status of the prescriptions, online prescription refill, track expenses, search for physician details and drugs thereby taking a step ahead in simplifying daily tasks.</a:t>
             </a:r>
             <a:endParaRPr lang="en-US" dirty="0">
               <a:latin typeface="Corbel" charset="0"/>
@@ -12603,7 +12589,7 @@
       </p:grpSpPr>
       <p:sp>
         <p:nvSpPr>
-          <p:cNvPr id="40961" name="Rectangle 3"/>
+          <p:cNvPr id="32769" name="Rectangle 3"/>
           <p:cNvSpPr>
             <a:spLocks noGrp="1"/>
           </p:cNvSpPr>
@@ -12613,7 +12599,7 @@
         </p:nvSpPr>
         <p:spPr>
           <a:xfrm>
-            <a:off x="685800" y="311150"/>
+            <a:off x="685800" y="304800"/>
             <a:ext cx="7772400" cy="679450"/>
           </a:xfrm>
         </p:spPr>
@@ -12623,12 +12609,12 @@
           <a:p>
             <a:pPr eaLnBrk="1" hangingPunct="1"/>
             <a:r>
-              <a:rPr lang="en-US" sz="4000" dirty="0" smtClean="0">
+              <a:rPr lang="en-US" sz="3600" dirty="0" smtClean="0">
                 <a:latin typeface="News Gothic MT" charset="0"/>
               </a:rPr>
-              <a:t>Nearby Hospitals / Pharmacies</a:t>
+              <a:t>Notifications</a:t>
             </a:r>
-            <a:endParaRPr lang="en-US" sz="4000" dirty="0">
+            <a:endParaRPr lang="en-US" sz="3600" dirty="0">
               <a:latin typeface="News Gothic MT" charset="0"/>
             </a:endParaRPr>
           </a:p>
@@ -12636,7 +12622,7 @@
       </p:sp>
       <p:pic>
         <p:nvPicPr>
-          <p:cNvPr id="6" name="Picture 5" descr="NearByHospitals.png"/>
+          <p:cNvPr id="3" name="Picture 2" descr="Notifications.png"/>
           <p:cNvPicPr>
             <a:picLocks noChangeAspect="1"/>
           </p:cNvPicPr>
@@ -12656,18 +12642,48 @@
         </p:blipFill>
         <p:spPr>
           <a:xfrm>
-            <a:off x="609600" y="1295400"/>
-            <a:ext cx="8052522" cy="4600477"/>
+            <a:off x="1890280" y="1371600"/>
+            <a:ext cx="2376920" cy="4396701"/>
           </a:xfrm>
           <a:prstGeom prst="rect">
             <a:avLst/>
           </a:prstGeom>
         </p:spPr>
       </p:pic>
+      <p:pic>
+        <p:nvPicPr>
+          <p:cNvPr id="4" name="Picture 3" descr="NotificationDetails.png"/>
+          <p:cNvPicPr>
+            <a:picLocks noChangeAspect="1"/>
+          </p:cNvPicPr>
+          <p:nvPr/>
+        </p:nvPicPr>
+        <p:blipFill>
+          <a:blip r:embed="rId4">
+            <a:extLst>
+              <a:ext uri="{28A0092B-C50C-407E-A947-70E740481C1C}">
+                <a14:useLocalDpi xmlns:a14="http://schemas.microsoft.com/office/drawing/2010/main" val="0"/>
+              </a:ext>
+            </a:extLst>
+          </a:blip>
+          <a:stretch>
+            <a:fillRect/>
+          </a:stretch>
+        </p:blipFill>
+        <p:spPr>
+          <a:xfrm>
+            <a:off x="4621102" y="1371600"/>
+            <a:ext cx="2389298" cy="4419600"/>
+          </a:xfrm>
+          <a:prstGeom prst="rect">
+            <a:avLst/>
+          </a:prstGeom>
+        </p:spPr>
+      </p:pic>
     </p:spTree>
     <p:extLst>
       <p:ext uri="{BB962C8B-B14F-4D97-AF65-F5344CB8AC3E}">
-        <p14:creationId xmlns:p14="http://schemas.microsoft.com/office/powerpoint/2010/main" val="129130085"/>
+        <p14:creationId xmlns:p14="http://schemas.microsoft.com/office/powerpoint/2010/main" val="2722637021"/>
       </p:ext>
     </p:extLst>
   </p:cSld>
@@ -12726,7 +12742,7 @@
               <a:rPr lang="en-US" sz="3600" dirty="0" smtClean="0">
                 <a:latin typeface="News Gothic MT" charset="0"/>
               </a:rPr>
-              <a:t>Notifications</a:t>
+              <a:t>Android Studio IDE</a:t>
             </a:r>
             <a:endParaRPr lang="en-US" sz="3600" dirty="0">
               <a:latin typeface="News Gothic MT" charset="0"/>
@@ -12736,7 +12752,7 @@
       </p:sp>
       <p:pic>
         <p:nvPicPr>
-          <p:cNvPr id="3" name="Picture 2" descr="Notifications.png"/>
+          <p:cNvPr id="2" name="Picture 1" descr="AndroidStudio IDE.png"/>
           <p:cNvPicPr>
             <a:picLocks noChangeAspect="1"/>
           </p:cNvPicPr>
@@ -12756,48 +12772,18 @@
         </p:blipFill>
         <p:spPr>
           <a:xfrm>
-            <a:off x="1890280" y="1371600"/>
-            <a:ext cx="2376920" cy="4396701"/>
+            <a:off x="609600" y="1219200"/>
+            <a:ext cx="8107680" cy="5067300"/>
           </a:xfrm>
           <a:prstGeom prst="rect">
             <a:avLst/>
           </a:prstGeom>
         </p:spPr>
       </p:pic>
-      <p:pic>
-        <p:nvPicPr>
-          <p:cNvPr id="4" name="Picture 3" descr="NotificationDetails.png"/>
-          <p:cNvPicPr>
-            <a:picLocks noChangeAspect="1"/>
-          </p:cNvPicPr>
-          <p:nvPr/>
-        </p:nvPicPr>
-        <p:blipFill>
-          <a:blip r:embed="rId4">
-            <a:extLst>
-              <a:ext uri="{28A0092B-C50C-407E-A947-70E740481C1C}">
-                <a14:useLocalDpi xmlns:a14="http://schemas.microsoft.com/office/drawing/2010/main" val="0"/>
-              </a:ext>
-            </a:extLst>
-          </a:blip>
-          <a:stretch>
-            <a:fillRect/>
-          </a:stretch>
-        </p:blipFill>
-        <p:spPr>
-          <a:xfrm>
-            <a:off x="4621102" y="1371600"/>
-            <a:ext cx="2389298" cy="4419600"/>
-          </a:xfrm>
-          <a:prstGeom prst="rect">
-            <a:avLst/>
-          </a:prstGeom>
-        </p:spPr>
-      </p:pic>
     </p:spTree>
     <p:extLst>
       <p:ext uri="{BB962C8B-B14F-4D97-AF65-F5344CB8AC3E}">
-        <p14:creationId xmlns:p14="http://schemas.microsoft.com/office/powerpoint/2010/main" val="2722637021"/>
+        <p14:creationId xmlns:p14="http://schemas.microsoft.com/office/powerpoint/2010/main" val="3250605105"/>
       </p:ext>
     </p:extLst>
   </p:cSld>
@@ -12833,7 +12819,7 @@
       </p:grpSpPr>
       <p:sp>
         <p:nvSpPr>
-          <p:cNvPr id="32769" name="Rectangle 3"/>
+          <p:cNvPr id="20481" name="Rectangle 3"/>
           <p:cNvSpPr>
             <a:spLocks noGrp="1"/>
           </p:cNvSpPr>
@@ -12843,8 +12829,8 @@
         </p:nvSpPr>
         <p:spPr>
           <a:xfrm>
-            <a:off x="685800" y="304800"/>
-            <a:ext cx="7772400" cy="679450"/>
+            <a:off x="762000" y="609600"/>
+            <a:ext cx="7772400" cy="762000"/>
           </a:xfrm>
         </p:spPr>
         <p:txBody>
@@ -12853,53 +12839,156 @@
           <a:p>
             <a:pPr eaLnBrk="1" hangingPunct="1"/>
             <a:r>
-              <a:rPr lang="en-US" sz="3600" dirty="0" smtClean="0">
+              <a:rPr lang="en-US" dirty="0" smtClean="0">
                 <a:latin typeface="News Gothic MT" charset="0"/>
               </a:rPr>
-              <a:t>Android Studio IDE</a:t>
+              <a:t>Future Scope</a:t>
             </a:r>
-            <a:endParaRPr lang="en-US" sz="3600" dirty="0">
+            <a:endParaRPr lang="en-US" dirty="0">
               <a:latin typeface="News Gothic MT" charset="0"/>
             </a:endParaRPr>
           </a:p>
         </p:txBody>
       </p:sp>
-      <p:pic>
-        <p:nvPicPr>
-          <p:cNvPr id="2" name="Picture 1" descr="AndroidStudio IDE.png"/>
-          <p:cNvPicPr>
-            <a:picLocks noChangeAspect="1"/>
-          </p:cNvPicPr>
-          <p:nvPr/>
-        </p:nvPicPr>
-        <p:blipFill>
-          <a:blip r:embed="rId3">
-            <a:extLst>
-              <a:ext uri="{28A0092B-C50C-407E-A947-70E740481C1C}">
-                <a14:useLocalDpi xmlns:a14="http://schemas.microsoft.com/office/drawing/2010/main" val="0"/>
-              </a:ext>
-            </a:extLst>
-          </a:blip>
-          <a:stretch>
-            <a:fillRect/>
-          </a:stretch>
-        </p:blipFill>
+      <p:sp>
+        <p:nvSpPr>
+          <p:cNvPr id="12291" name="Rectangle 4"/>
+          <p:cNvSpPr>
+            <a:spLocks noGrp="1"/>
+          </p:cNvSpPr>
+          <p:nvPr>
+            <p:ph type="body" idx="1"/>
+          </p:nvPr>
+        </p:nvSpPr>
         <p:spPr>
           <a:xfrm>
-            <a:off x="609600" y="1219200"/>
-            <a:ext cx="8107680" cy="5067300"/>
+            <a:off x="838200" y="1752600"/>
+            <a:ext cx="7772400" cy="1676400"/>
           </a:xfrm>
-          <a:prstGeom prst="rect">
-            <a:avLst/>
-          </a:prstGeom>
-        </p:spPr>
-      </p:pic>
+        </p:spPr>
+        <p:txBody>
+          <a:bodyPr rtlCol="0">
+            <a:normAutofit fontScale="92500" lnSpcReduction="10000"/>
+          </a:bodyPr>
+          <a:lstStyle/>
+          <a:p>
+            <a:pPr marL="285750" indent="-285750" algn="l">
+              <a:buFont typeface="Wingdings" charset="2"/>
+              <a:buChar char="Ø"/>
+              <a:defRPr/>
+            </a:pPr>
+            <a:r>
+              <a:rPr lang="en-US" dirty="0" smtClean="0">
+                <a:latin typeface="Corbel" charset="0"/>
+                <a:ea typeface="+mn-ea"/>
+                <a:cs typeface="+mn-cs"/>
+              </a:rPr>
+              <a:t>Reminds the user of any appointments or periodical health check ups. </a:t>
+            </a:r>
+          </a:p>
+          <a:p>
+            <a:pPr algn="l">
+              <a:defRPr/>
+            </a:pPr>
+            <a:endParaRPr lang="en-US" dirty="0" smtClean="0">
+              <a:latin typeface="Corbel" charset="0"/>
+              <a:ea typeface="+mn-ea"/>
+              <a:cs typeface="+mn-cs"/>
+            </a:endParaRPr>
+          </a:p>
+          <a:p>
+            <a:pPr marL="285750" indent="-285750" algn="l">
+              <a:buFont typeface="Wingdings" charset="2"/>
+              <a:buChar char="Ø"/>
+              <a:defRPr/>
+            </a:pPr>
+            <a:r>
+              <a:rPr lang="en-US" dirty="0" smtClean="0">
+                <a:latin typeface="Corbel" charset="0"/>
+                <a:ea typeface="+mn-ea"/>
+                <a:cs typeface="+mn-cs"/>
+              </a:rPr>
+              <a:t>Ability to add nearby/regular physicians, health plans and Walgreens pharmacies to the user profile</a:t>
+            </a:r>
+          </a:p>
+          <a:p>
+            <a:pPr marL="285750" indent="-285750" algn="l">
+              <a:buFont typeface="Wingdings" charset="2"/>
+              <a:buChar char="Ø"/>
+              <a:defRPr/>
+            </a:pPr>
+            <a:endParaRPr lang="en-US" dirty="0" smtClean="0">
+              <a:latin typeface="Corbel" charset="0"/>
+              <a:ea typeface="+mn-ea"/>
+              <a:cs typeface="+mn-cs"/>
+            </a:endParaRPr>
+          </a:p>
+          <a:p>
+            <a:pPr marL="285750" indent="-285750" algn="l">
+              <a:buFont typeface="Wingdings" charset="2"/>
+              <a:buChar char="Ø"/>
+              <a:defRPr/>
+            </a:pPr>
+            <a:r>
+              <a:rPr lang="en-US" dirty="0" smtClean="0">
+                <a:latin typeface="Corbel" charset="0"/>
+                <a:ea typeface="+mn-ea"/>
+                <a:cs typeface="+mn-cs"/>
+              </a:rPr>
+              <a:t>Ability to add family members to monitor their health and medication status</a:t>
+            </a:r>
+          </a:p>
+          <a:p>
+            <a:pPr marL="285750" indent="-285750" algn="l">
+              <a:buFont typeface="Wingdings" charset="2"/>
+              <a:buChar char="Ø"/>
+              <a:defRPr/>
+            </a:pPr>
+            <a:endParaRPr lang="en-US" dirty="0" smtClean="0">
+              <a:latin typeface="Corbel" charset="0"/>
+              <a:ea typeface="+mn-ea"/>
+              <a:cs typeface="+mn-cs"/>
+            </a:endParaRPr>
+          </a:p>
+          <a:p>
+            <a:pPr marL="285750" indent="-285750" algn="l">
+              <a:buFont typeface="Wingdings" charset="2"/>
+              <a:buChar char="Ø"/>
+              <a:defRPr/>
+            </a:pPr>
+            <a:endParaRPr lang="en-US" dirty="0" smtClean="0">
+              <a:latin typeface="Corbel" charset="0"/>
+              <a:ea typeface="+mn-ea"/>
+              <a:cs typeface="+mn-cs"/>
+            </a:endParaRPr>
+          </a:p>
+          <a:p>
+            <a:pPr marL="374650" algn="just" eaLnBrk="1" fontAlgn="auto" hangingPunct="1">
+              <a:spcBef>
+                <a:spcPct val="0"/>
+              </a:spcBef>
+              <a:spcAft>
+                <a:spcPts val="0"/>
+              </a:spcAft>
+              <a:buClr>
+                <a:schemeClr val="accent1">
+                  <a:lumMod val="60000"/>
+                  <a:lumOff val="40000"/>
+                </a:schemeClr>
+              </a:buClr>
+              <a:buFont typeface="Wingdings 2" pitchFamily="18" charset="2"/>
+              <a:buNone/>
+              <a:defRPr/>
+            </a:pPr>
+            <a:endParaRPr lang="en-US" dirty="0">
+              <a:latin typeface="Corbel" charset="0"/>
+              <a:ea typeface="+mn-ea"/>
+              <a:cs typeface="+mn-cs"/>
+            </a:endParaRPr>
+          </a:p>
+        </p:txBody>
+      </p:sp>
     </p:spTree>
-    <p:extLst>
-      <p:ext uri="{BB962C8B-B14F-4D97-AF65-F5344CB8AC3E}">
-        <p14:creationId xmlns:p14="http://schemas.microsoft.com/office/powerpoint/2010/main" val="3250605105"/>
-      </p:ext>
-    </p:extLst>
   </p:cSld>
   <p:clrMapOvr>
     <a:masterClrMapping/>
@@ -13535,21 +13624,8 @@
                 <a:ea typeface="+mn-ea"/>
                 <a:cs typeface="Calibri"/>
               </a:rPr>
-              <a:t>How to retrieve data from </a:t>
+              <a:t>How to retrieve data from various API</a:t>
             </a:r>
-            <a:r>
-              <a:rPr lang="en-US" sz="2000" dirty="0" smtClean="0">
-                <a:latin typeface="Calibri"/>
-                <a:ea typeface="+mn-ea"/>
-                <a:cs typeface="Calibri"/>
-              </a:rPr>
-              <a:t>various API</a:t>
-            </a:r>
-            <a:endParaRPr lang="en-US" sz="2000" dirty="0" smtClean="0">
-              <a:latin typeface="Calibri"/>
-              <a:ea typeface="+mn-ea"/>
-              <a:cs typeface="Calibri"/>
-            </a:endParaRPr>
           </a:p>
           <a:p>
             <a:pPr marL="717550" indent="-342900" algn="l" eaLnBrk="1" fontAlgn="auto" hangingPunct="1">
@@ -13599,15 +13675,7 @@
                 <a:ea typeface="+mn-ea"/>
                 <a:cs typeface="Calibri"/>
               </a:rPr>
-              <a:t>Migrated from Eclipse IDE to Android Studio </a:t>
-            </a:r>
-            <a:r>
-              <a:rPr lang="en-US" sz="2000" dirty="0" smtClean="0">
-                <a:latin typeface="Calibri"/>
-                <a:ea typeface="+mn-ea"/>
-                <a:cs typeface="Calibri"/>
-              </a:rPr>
-              <a:t>IDE</a:t>
+              <a:t>Migrated from Eclipse IDE to Android Studio IDE</a:t>
             </a:r>
           </a:p>
           <a:p>
@@ -14013,8 +14081,8 @@
         </p:nvSpPr>
         <p:spPr>
           <a:xfrm>
-            <a:off x="762000" y="533400"/>
-            <a:ext cx="7772400" cy="984250"/>
+            <a:off x="762000" y="304800"/>
+            <a:ext cx="7772400" cy="831850"/>
           </a:xfrm>
         </p:spPr>
         <p:txBody>
@@ -14043,8 +14111,8 @@
         </p:nvSpPr>
         <p:spPr>
           <a:xfrm>
-            <a:off x="304800" y="1752600"/>
-            <a:ext cx="8686800" cy="5105400"/>
+            <a:off x="228600" y="1143000"/>
+            <a:ext cx="8686800" cy="5257800"/>
           </a:xfrm>
         </p:spPr>
         <p:txBody>
@@ -14165,18 +14233,13 @@
               <a:t>		</a:t>
             </a:r>
             <a:r>
-              <a:rPr lang="en-US" sz="2000" smtClean="0">
+              <a:rPr lang="en-US" sz="2000" dirty="0" smtClean="0">
                 <a:latin typeface="Calibri"/>
                 <a:ea typeface="+mn-ea"/>
                 <a:cs typeface="Calibri"/>
               </a:rPr>
               <a:t>Android Studio (Beta 0.82)</a:t>
             </a:r>
-            <a:endParaRPr lang="en-US" sz="2000" dirty="0" smtClean="0">
-              <a:latin typeface="Calibri"/>
-              <a:ea typeface="+mn-ea"/>
-              <a:cs typeface="Calibri"/>
-            </a:endParaRPr>
           </a:p>
           <a:p>
             <a:pPr marL="374650" algn="l" eaLnBrk="1" fontAlgn="auto" hangingPunct="1">
@@ -14455,47 +14518,73 @@
               <a:buNone/>
               <a:defRPr/>
             </a:pPr>
+            <a:r>
+              <a:rPr lang="en-US" sz="2000" dirty="0" smtClean="0">
+                <a:latin typeface="Calibri"/>
+                <a:ea typeface="+mn-ea"/>
+                <a:cs typeface="Calibri"/>
+              </a:rPr>
+              <a:t>Source Code Location</a:t>
+            </a:r>
             <a:endParaRPr lang="en-US" sz="2000" dirty="0">
               <a:latin typeface="Calibri"/>
               <a:ea typeface="+mn-ea"/>
               <a:cs typeface="Calibri"/>
             </a:endParaRPr>
           </a:p>
+          <a:p>
+            <a:pPr marL="374650" algn="l" eaLnBrk="1" fontAlgn="auto" hangingPunct="1">
+              <a:spcBef>
+                <a:spcPct val="0"/>
+              </a:spcBef>
+              <a:spcAft>
+                <a:spcPts val="0"/>
+              </a:spcAft>
+              <a:buClr>
+                <a:schemeClr val="accent1">
+                  <a:lumMod val="60000"/>
+                  <a:lumOff val="40000"/>
+                </a:schemeClr>
+              </a:buClr>
+              <a:defRPr/>
+            </a:pPr>
+            <a:r>
+              <a:rPr lang="en-US" sz="2000" dirty="0">
+                <a:latin typeface="Calibri"/>
+                <a:ea typeface="+mn-ea"/>
+                <a:cs typeface="Calibri"/>
+                <a:hlinkClick r:id="rId2"/>
+              </a:rPr>
+              <a:t>https://github.com/venkatesh891/</a:t>
+            </a:r>
+            <a:r>
+              <a:rPr lang="en-US" sz="2000" dirty="0" smtClean="0">
+                <a:latin typeface="Calibri"/>
+                <a:ea typeface="+mn-ea"/>
+                <a:cs typeface="Calibri"/>
+                <a:hlinkClick r:id="rId2"/>
+              </a:rPr>
+              <a:t>CS5200</a:t>
+            </a:r>
+            <a:r>
+              <a:rPr lang="en-US" sz="2000" dirty="0" smtClean="0">
+                <a:latin typeface="Calibri"/>
+                <a:ea typeface="+mn-ea"/>
+                <a:cs typeface="Calibri"/>
+              </a:rPr>
+              <a:t> </a:t>
+            </a:r>
+            <a:endParaRPr lang="en-US" sz="2000" dirty="0">
+              <a:latin typeface="Calibri"/>
+              <a:ea typeface="+mn-ea"/>
+              <a:cs typeface="Calibri"/>
+            </a:endParaRPr>
+          </a:p>
         </p:txBody>
       </p:sp>
       <p:pic>
         <p:nvPicPr>
           <p:cNvPr id="2" name="Picture 1" descr="Screen Shot 2014-07-29 at 4.08.27 pm.png"/>
-          <p:cNvPicPr>
-            <a:picLocks noChangeAspect="1"/>
-          </p:cNvPicPr>
-          <p:nvPr/>
-        </p:nvPicPr>
-        <p:blipFill>
-          <a:blip r:embed="rId2">
-            <a:extLst>
-              <a:ext uri="{28A0092B-C50C-407E-A947-70E740481C1C}">
-                <a14:useLocalDpi xmlns:a14="http://schemas.microsoft.com/office/drawing/2010/main" val="0"/>
-              </a:ext>
-            </a:extLst>
-          </a:blip>
-          <a:stretch>
-            <a:fillRect/>
-          </a:stretch>
-        </p:blipFill>
-        <p:spPr>
-          <a:xfrm>
-            <a:off x="5257800" y="5638800"/>
-            <a:ext cx="3403600" cy="965200"/>
-          </a:xfrm>
-          <a:prstGeom prst="rect">
-            <a:avLst/>
-          </a:prstGeom>
-        </p:spPr>
-      </p:pic>
-      <p:pic>
-        <p:nvPicPr>
-          <p:cNvPr id="3" name="Picture 2" descr="Screen Shot 2014-07-29 at 4.25.12 pm.png"/>
           <p:cNvPicPr>
             <a:picLocks noChangeAspect="1"/>
           </p:cNvPicPr>
@@ -14515,8 +14604,8 @@
         </p:blipFill>
         <p:spPr>
           <a:xfrm>
-            <a:off x="2209800" y="4495800"/>
-            <a:ext cx="2019300" cy="629392"/>
+            <a:off x="5283200" y="4953000"/>
+            <a:ext cx="3403600" cy="965200"/>
           </a:xfrm>
           <a:prstGeom prst="rect">
             <a:avLst/>
@@ -14525,7 +14614,7 @@
       </p:pic>
       <p:pic>
         <p:nvPicPr>
-          <p:cNvPr id="6" name="Picture 5" descr="Screen Shot 2014-07-29 at 4.27.20 pm.png"/>
+          <p:cNvPr id="3" name="Picture 2" descr="Screen Shot 2014-07-29 at 4.25.12 pm.png"/>
           <p:cNvPicPr>
             <a:picLocks noChangeAspect="1"/>
           </p:cNvPicPr>
@@ -14545,8 +14634,8 @@
         </p:blipFill>
         <p:spPr>
           <a:xfrm>
-            <a:off x="2133600" y="1676400"/>
-            <a:ext cx="941551" cy="1016000"/>
+            <a:off x="2133600" y="3886200"/>
+            <a:ext cx="2019300" cy="629392"/>
           </a:xfrm>
           <a:prstGeom prst="rect">
             <a:avLst/>
@@ -14555,7 +14644,7 @@
       </p:pic>
       <p:pic>
         <p:nvPicPr>
-          <p:cNvPr id="7" name="Picture 6" descr="Screen Shot 2014-07-29 at 4.29.30 pm.png"/>
+          <p:cNvPr id="6" name="Picture 5" descr="Screen Shot 2014-07-29 at 4.27.20 pm.png"/>
           <p:cNvPicPr>
             <a:picLocks noChangeAspect="1"/>
           </p:cNvPicPr>
@@ -14575,7 +14664,37 @@
         </p:blipFill>
         <p:spPr>
           <a:xfrm>
-            <a:off x="2209800" y="3733800"/>
+            <a:off x="1954049" y="1066800"/>
+            <a:ext cx="941551" cy="1016000"/>
+          </a:xfrm>
+          <a:prstGeom prst="rect">
+            <a:avLst/>
+          </a:prstGeom>
+        </p:spPr>
+      </p:pic>
+      <p:pic>
+        <p:nvPicPr>
+          <p:cNvPr id="7" name="Picture 6" descr="Screen Shot 2014-07-29 at 4.29.30 pm.png"/>
+          <p:cNvPicPr>
+            <a:picLocks noChangeAspect="1"/>
+          </p:cNvPicPr>
+          <p:nvPr/>
+        </p:nvPicPr>
+        <p:blipFill>
+          <a:blip r:embed="rId6">
+            <a:extLst>
+              <a:ext uri="{28A0092B-C50C-407E-A947-70E740481C1C}">
+                <a14:useLocalDpi xmlns:a14="http://schemas.microsoft.com/office/drawing/2010/main" val="0"/>
+              </a:ext>
+            </a:extLst>
+          </a:blip>
+          <a:stretch>
+            <a:fillRect/>
+          </a:stretch>
+        </p:blipFill>
+        <p:spPr>
+          <a:xfrm>
+            <a:off x="2133600" y="3087914"/>
             <a:ext cx="2527300" cy="722086"/>
           </a:xfrm>
           <a:prstGeom prst="rect">
@@ -14759,37 +14878,7 @@
               <a:rPr lang="en-US" dirty="0" smtClean="0">
                 <a:latin typeface="Corbel" charset="0"/>
               </a:rPr>
-              <a:t>Provides various information about </a:t>
-            </a:r>
-            <a:r>
-              <a:rPr lang="en-US" dirty="0" smtClean="0">
-                <a:latin typeface="Corbel" charset="0"/>
-              </a:rPr>
-              <a:t>doctors, physicians</a:t>
-            </a:r>
-            <a:r>
-              <a:rPr lang="en-US" dirty="0" smtClean="0">
-                <a:latin typeface="Corbel" charset="0"/>
-              </a:rPr>
-              <a:t> </a:t>
-            </a:r>
-            <a:r>
-              <a:rPr lang="en-US" dirty="0" smtClean="0">
-                <a:latin typeface="Corbel" charset="0"/>
-              </a:rPr>
-              <a:t>and </a:t>
-            </a:r>
-            <a:r>
-              <a:rPr lang="en-US" dirty="0" smtClean="0">
-                <a:latin typeface="Corbel" charset="0"/>
-              </a:rPr>
-              <a:t>health insurance plans based on the user </a:t>
-            </a:r>
-            <a:r>
-              <a:rPr lang="en-US" dirty="0" smtClean="0">
-                <a:latin typeface="Corbel" charset="0"/>
-              </a:rPr>
-              <a:t>queries</a:t>
+              <a:t>Provides various information about doctors, physicians and health insurance plans based on the user queries</a:t>
             </a:r>
           </a:p>
           <a:p>
@@ -14804,9 +14893,6 @@
               </a:rPr>
               <a:t>Provides the end user to locate near by hospitals and pharmacies in real time based on his geo location</a:t>
             </a:r>
-            <a:endParaRPr lang="en-US" dirty="0" smtClean="0">
-              <a:latin typeface="Corbel" charset="0"/>
-            </a:endParaRPr>
           </a:p>
           <a:p>
             <a:pPr marL="285750" indent="-285750" algn="l">
@@ -14872,185 +14958,6 @@
 </file>
 
 <file path=ppt/slides/slide5.xml><?xml version="1.0" encoding="utf-8"?>
-<p:sld xmlns:a="http://schemas.openxmlformats.org/drawingml/2006/main" xmlns:r="http://schemas.openxmlformats.org/officeDocument/2006/relationships" xmlns:p="http://schemas.openxmlformats.org/presentationml/2006/main">
-  <p:cSld>
-    <p:spTree>
-      <p:nvGrpSpPr>
-        <p:cNvPr id="1" name=""/>
-        <p:cNvGrpSpPr/>
-        <p:nvPr/>
-      </p:nvGrpSpPr>
-      <p:grpSpPr>
-        <a:xfrm>
-          <a:off x="0" y="0"/>
-          <a:ext cx="0" cy="0"/>
-          <a:chOff x="0" y="0"/>
-          <a:chExt cx="0" cy="0"/>
-        </a:xfrm>
-      </p:grpSpPr>
-      <p:sp>
-        <p:nvSpPr>
-          <p:cNvPr id="20481" name="Rectangle 3"/>
-          <p:cNvSpPr>
-            <a:spLocks noGrp="1"/>
-          </p:cNvSpPr>
-          <p:nvPr>
-            <p:ph type="title"/>
-          </p:nvPr>
-        </p:nvSpPr>
-        <p:spPr>
-          <a:xfrm>
-            <a:off x="762000" y="609600"/>
-            <a:ext cx="7772400" cy="762000"/>
-          </a:xfrm>
-        </p:spPr>
-        <p:txBody>
-          <a:bodyPr/>
-          <a:lstStyle/>
-          <a:p>
-            <a:pPr eaLnBrk="1" hangingPunct="1"/>
-            <a:r>
-              <a:rPr lang="en-US" dirty="0" smtClean="0">
-                <a:latin typeface="News Gothic MT" charset="0"/>
-              </a:rPr>
-              <a:t>Road Map</a:t>
-            </a:r>
-            <a:endParaRPr lang="en-US" dirty="0">
-              <a:latin typeface="News Gothic MT" charset="0"/>
-            </a:endParaRPr>
-          </a:p>
-        </p:txBody>
-      </p:sp>
-      <p:sp>
-        <p:nvSpPr>
-          <p:cNvPr id="12291" name="Rectangle 4"/>
-          <p:cNvSpPr>
-            <a:spLocks noGrp="1"/>
-          </p:cNvSpPr>
-          <p:nvPr>
-            <p:ph type="body" idx="1"/>
-          </p:nvPr>
-        </p:nvSpPr>
-        <p:spPr>
-          <a:xfrm>
-            <a:off x="838200" y="1752600"/>
-            <a:ext cx="7772400" cy="1676400"/>
-          </a:xfrm>
-        </p:spPr>
-        <p:txBody>
-          <a:bodyPr rtlCol="0"/>
-          <a:lstStyle/>
-          <a:p>
-            <a:pPr marL="285750" indent="-285750" algn="l">
-              <a:buFont typeface="Wingdings" charset="2"/>
-              <a:buChar char="Ø"/>
-              <a:defRPr/>
-            </a:pPr>
-            <a:r>
-              <a:rPr lang="en-US" dirty="0" smtClean="0">
-                <a:latin typeface="Corbel" charset="0"/>
-                <a:ea typeface="+mn-ea"/>
-                <a:cs typeface="+mn-cs"/>
-              </a:rPr>
-              <a:t>Reminds the user of any appointments or periodical health check ups. </a:t>
-            </a:r>
-          </a:p>
-          <a:p>
-            <a:pPr marL="285750" indent="-285750" algn="l">
-              <a:buFont typeface="Wingdings" charset="2"/>
-              <a:buChar char="Ø"/>
-              <a:defRPr/>
-            </a:pPr>
-            <a:r>
-              <a:rPr lang="en-US" dirty="0" smtClean="0">
-                <a:latin typeface="Corbel" charset="0"/>
-                <a:ea typeface="+mn-ea"/>
-                <a:cs typeface="+mn-cs"/>
-              </a:rPr>
-              <a:t>Ability to add nearby/regular physicians, health plans and Walgreens pharmacies to the user profile</a:t>
-            </a:r>
-          </a:p>
-          <a:p>
-            <a:pPr marL="285750" indent="-285750" algn="l">
-              <a:buFont typeface="Wingdings" charset="2"/>
-              <a:buChar char="Ø"/>
-              <a:defRPr/>
-            </a:pPr>
-            <a:r>
-              <a:rPr lang="en-US" dirty="0" smtClean="0">
-                <a:latin typeface="Corbel" charset="0"/>
-                <a:ea typeface="+mn-ea"/>
-                <a:cs typeface="+mn-cs"/>
-              </a:rPr>
-              <a:t>Ability to add family members to monitor their health and medication status</a:t>
-            </a:r>
-          </a:p>
-          <a:p>
-            <a:pPr marL="285750" indent="-285750" algn="l">
-              <a:buFont typeface="Wingdings" charset="2"/>
-              <a:buChar char="Ø"/>
-              <a:defRPr/>
-            </a:pPr>
-            <a:endParaRPr lang="en-US" dirty="0" smtClean="0">
-              <a:latin typeface="Corbel" charset="0"/>
-              <a:ea typeface="+mn-ea"/>
-              <a:cs typeface="+mn-cs"/>
-            </a:endParaRPr>
-          </a:p>
-          <a:p>
-            <a:pPr marL="285750" indent="-285750" algn="l">
-              <a:buFont typeface="Wingdings" charset="2"/>
-              <a:buChar char="Ø"/>
-              <a:defRPr/>
-            </a:pPr>
-            <a:endParaRPr lang="en-US" dirty="0" smtClean="0">
-              <a:latin typeface="Corbel" charset="0"/>
-              <a:ea typeface="+mn-ea"/>
-              <a:cs typeface="+mn-cs"/>
-            </a:endParaRPr>
-          </a:p>
-          <a:p>
-            <a:pPr marL="374650" algn="just" eaLnBrk="1" fontAlgn="auto" hangingPunct="1">
-              <a:spcBef>
-                <a:spcPct val="0"/>
-              </a:spcBef>
-              <a:spcAft>
-                <a:spcPts val="0"/>
-              </a:spcAft>
-              <a:buClr>
-                <a:schemeClr val="accent1">
-                  <a:lumMod val="60000"/>
-                  <a:lumOff val="40000"/>
-                </a:schemeClr>
-              </a:buClr>
-              <a:buFont typeface="Wingdings 2" pitchFamily="18" charset="2"/>
-              <a:buNone/>
-              <a:defRPr/>
-            </a:pPr>
-            <a:endParaRPr lang="en-US" dirty="0">
-              <a:latin typeface="Corbel" charset="0"/>
-              <a:ea typeface="+mn-ea"/>
-              <a:cs typeface="+mn-cs"/>
-            </a:endParaRPr>
-          </a:p>
-        </p:txBody>
-      </p:sp>
-    </p:spTree>
-  </p:cSld>
-  <p:clrMapOvr>
-    <a:masterClrMapping/>
-  </p:clrMapOvr>
-  <p:timing>
-    <p:tnLst>
-      <p:par>
-        <p:cTn xmlns:p14="http://schemas.microsoft.com/office/powerpoint/2010/main" id="1" dur="indefinite" restart="never" nodeType="tmRoot"/>
-      </p:par>
-    </p:tnLst>
-  </p:timing>
-</p:sld>
-</file>
-
-<file path=ppt/slides/slide6.xml><?xml version="1.0" encoding="utf-8"?>
 <p:sld xmlns:a="http://schemas.openxmlformats.org/drawingml/2006/main" xmlns:r="http://schemas.openxmlformats.org/officeDocument/2006/relationships" xmlns:p="http://schemas.openxmlformats.org/presentationml/2006/main">
   <p:cSld>
     <p:spTree>
@@ -15166,7 +15073,7 @@
 </p:sld>
 </file>
 
-<file path=ppt/slides/slide7.xml><?xml version="1.0" encoding="utf-8"?>
+<file path=ppt/slides/slide6.xml><?xml version="1.0" encoding="utf-8"?>
 <p:sld xmlns:a="http://schemas.openxmlformats.org/drawingml/2006/main" xmlns:r="http://schemas.openxmlformats.org/officeDocument/2006/relationships" xmlns:p="http://schemas.openxmlformats.org/presentationml/2006/main">
   <p:cSld>
     <p:spTree>
@@ -15247,6 +15154,106 @@
         </p:spPr>
       </p:pic>
     </p:spTree>
+  </p:cSld>
+  <p:clrMapOvr>
+    <a:masterClrMapping/>
+  </p:clrMapOvr>
+  <p:timing>
+    <p:tnLst>
+      <p:par>
+        <p:cTn xmlns:p14="http://schemas.microsoft.com/office/powerpoint/2010/main" id="1" dur="indefinite" restart="never" nodeType="tmRoot"/>
+      </p:par>
+    </p:tnLst>
+  </p:timing>
+</p:sld>
+</file>
+
+<file path=ppt/slides/slide7.xml><?xml version="1.0" encoding="utf-8"?>
+<p:sld xmlns:a="http://schemas.openxmlformats.org/drawingml/2006/main" xmlns:r="http://schemas.openxmlformats.org/officeDocument/2006/relationships" xmlns:p="http://schemas.openxmlformats.org/presentationml/2006/main">
+  <p:cSld>
+    <p:spTree>
+      <p:nvGrpSpPr>
+        <p:cNvPr id="1" name=""/>
+        <p:cNvGrpSpPr/>
+        <p:nvPr/>
+      </p:nvGrpSpPr>
+      <p:grpSpPr>
+        <a:xfrm>
+          <a:off x="0" y="0"/>
+          <a:ext cx="0" cy="0"/>
+          <a:chOff x="0" y="0"/>
+          <a:chExt cx="0" cy="0"/>
+        </a:xfrm>
+      </p:grpSpPr>
+      <p:sp>
+        <p:nvSpPr>
+          <p:cNvPr id="32769" name="Rectangle 3"/>
+          <p:cNvSpPr>
+            <a:spLocks noGrp="1"/>
+          </p:cNvSpPr>
+          <p:nvPr>
+            <p:ph type="title"/>
+          </p:nvPr>
+        </p:nvSpPr>
+        <p:spPr>
+          <a:xfrm>
+            <a:off x="685800" y="304800"/>
+            <a:ext cx="7772400" cy="679450"/>
+          </a:xfrm>
+        </p:spPr>
+        <p:txBody>
+          <a:bodyPr/>
+          <a:lstStyle/>
+          <a:p>
+            <a:pPr eaLnBrk="1" hangingPunct="1"/>
+            <a:r>
+              <a:rPr lang="en-US" dirty="0" smtClean="0">
+                <a:latin typeface="News Gothic MT" charset="0"/>
+              </a:rPr>
+              <a:t>MongoDB Documents</a:t>
+            </a:r>
+            <a:endParaRPr lang="en-US" dirty="0">
+              <a:latin typeface="News Gothic MT" charset="0"/>
+            </a:endParaRPr>
+          </a:p>
+        </p:txBody>
+      </p:sp>
+      <p:pic>
+        <p:nvPicPr>
+          <p:cNvPr id="2" name="Picture 1" descr="MongoDB Documents.png"/>
+          <p:cNvPicPr>
+            <a:picLocks noChangeAspect="1"/>
+          </p:cNvPicPr>
+          <p:nvPr/>
+        </p:nvPicPr>
+        <p:blipFill>
+          <a:blip r:embed="rId3">
+            <a:extLst>
+              <a:ext uri="{28A0092B-C50C-407E-A947-70E740481C1C}">
+                <a14:useLocalDpi xmlns:a14="http://schemas.microsoft.com/office/drawing/2010/main" val="0"/>
+              </a:ext>
+            </a:extLst>
+          </a:blip>
+          <a:stretch>
+            <a:fillRect/>
+          </a:stretch>
+        </p:blipFill>
+        <p:spPr>
+          <a:xfrm>
+            <a:off x="533400" y="1295400"/>
+            <a:ext cx="8229600" cy="4800600"/>
+          </a:xfrm>
+          <a:prstGeom prst="rect">
+            <a:avLst/>
+          </a:prstGeom>
+        </p:spPr>
+      </p:pic>
+    </p:spTree>
+    <p:extLst>
+      <p:ext uri="{BB962C8B-B14F-4D97-AF65-F5344CB8AC3E}">
+        <p14:creationId xmlns:p14="http://schemas.microsoft.com/office/powerpoint/2010/main" val="10519942"/>
+      </p:ext>
+    </p:extLst>
   </p:cSld>
   <p:clrMapOvr>
     <a:masterClrMapping/>
@@ -15280,106 +15287,6 @@
       </p:grpSpPr>
       <p:sp>
         <p:nvSpPr>
-          <p:cNvPr id="32769" name="Rectangle 3"/>
-          <p:cNvSpPr>
-            <a:spLocks noGrp="1"/>
-          </p:cNvSpPr>
-          <p:nvPr>
-            <p:ph type="title"/>
-          </p:nvPr>
-        </p:nvSpPr>
-        <p:spPr>
-          <a:xfrm>
-            <a:off x="685800" y="304800"/>
-            <a:ext cx="7772400" cy="679450"/>
-          </a:xfrm>
-        </p:spPr>
-        <p:txBody>
-          <a:bodyPr/>
-          <a:lstStyle/>
-          <a:p>
-            <a:pPr eaLnBrk="1" hangingPunct="1"/>
-            <a:r>
-              <a:rPr lang="en-US" dirty="0" smtClean="0">
-                <a:latin typeface="News Gothic MT" charset="0"/>
-              </a:rPr>
-              <a:t>MongoDB Documents</a:t>
-            </a:r>
-            <a:endParaRPr lang="en-US" dirty="0">
-              <a:latin typeface="News Gothic MT" charset="0"/>
-            </a:endParaRPr>
-          </a:p>
-        </p:txBody>
-      </p:sp>
-      <p:pic>
-        <p:nvPicPr>
-          <p:cNvPr id="2" name="Picture 1" descr="MongoDB Documents.png"/>
-          <p:cNvPicPr>
-            <a:picLocks noChangeAspect="1"/>
-          </p:cNvPicPr>
-          <p:nvPr/>
-        </p:nvPicPr>
-        <p:blipFill>
-          <a:blip r:embed="rId3">
-            <a:extLst>
-              <a:ext uri="{28A0092B-C50C-407E-A947-70E740481C1C}">
-                <a14:useLocalDpi xmlns:a14="http://schemas.microsoft.com/office/drawing/2010/main" val="0"/>
-              </a:ext>
-            </a:extLst>
-          </a:blip>
-          <a:stretch>
-            <a:fillRect/>
-          </a:stretch>
-        </p:blipFill>
-        <p:spPr>
-          <a:xfrm>
-            <a:off x="533400" y="1295400"/>
-            <a:ext cx="8229600" cy="4800600"/>
-          </a:xfrm>
-          <a:prstGeom prst="rect">
-            <a:avLst/>
-          </a:prstGeom>
-        </p:spPr>
-      </p:pic>
-    </p:spTree>
-    <p:extLst>
-      <p:ext uri="{BB962C8B-B14F-4D97-AF65-F5344CB8AC3E}">
-        <p14:creationId xmlns:p14="http://schemas.microsoft.com/office/powerpoint/2010/main" val="10519942"/>
-      </p:ext>
-    </p:extLst>
-  </p:cSld>
-  <p:clrMapOvr>
-    <a:masterClrMapping/>
-  </p:clrMapOvr>
-  <p:timing>
-    <p:tnLst>
-      <p:par>
-        <p:cTn xmlns:p14="http://schemas.microsoft.com/office/powerpoint/2010/main" id="1" dur="indefinite" restart="never" nodeType="tmRoot"/>
-      </p:par>
-    </p:tnLst>
-  </p:timing>
-</p:sld>
-</file>
-
-<file path=ppt/slides/slide9.xml><?xml version="1.0" encoding="utf-8"?>
-<p:sld xmlns:a="http://schemas.openxmlformats.org/drawingml/2006/main" xmlns:r="http://schemas.openxmlformats.org/officeDocument/2006/relationships" xmlns:p="http://schemas.openxmlformats.org/presentationml/2006/main">
-  <p:cSld>
-    <p:spTree>
-      <p:nvGrpSpPr>
-        <p:cNvPr id="1" name=""/>
-        <p:cNvGrpSpPr/>
-        <p:nvPr/>
-      </p:nvGrpSpPr>
-      <p:grpSpPr>
-        <a:xfrm>
-          <a:off x="0" y="0"/>
-          <a:ext cx="0" cy="0"/>
-          <a:chOff x="0" y="0"/>
-          <a:chExt cx="0" cy="0"/>
-        </a:xfrm>
-      </p:grpSpPr>
-      <p:sp>
-        <p:nvSpPr>
           <p:cNvPr id="24577" name="Rectangle 3"/>
           <p:cNvSpPr>
             <a:spLocks noGrp="1"/>
@@ -15417,7 +15324,7 @@
           <p:nvPr>
             <p:extLst>
               <p:ext uri="{D42A27DB-BD31-4B8C-83A1-F6EECF244321}">
-                <p14:modId xmlns:p14="http://schemas.microsoft.com/office/powerpoint/2010/main" val="2156066455"/>
+                <p14:modId xmlns:p14="http://schemas.microsoft.com/office/powerpoint/2010/main" val="414350416"/>
               </p:ext>
             </p:extLst>
           </p:nvPr>
@@ -15664,7 +15571,11 @@
                       </a:r>
                       <a:r>
                         <a:rPr lang="en-US" dirty="0" smtClean="0"/>
-                        <a:t> Health Insurance API</a:t>
+                        <a:t> </a:t>
+                      </a:r>
+                      <a:r>
+                        <a:rPr lang="en-US" smtClean="0"/>
+                        <a:t>Health Plan API</a:t>
                       </a:r>
                       <a:endParaRPr lang="en-US" dirty="0"/>
                     </a:p>
@@ -15819,6 +15730,136 @@
         </a:graphic>
       </p:graphicFrame>
     </p:spTree>
+  </p:cSld>
+  <p:clrMapOvr>
+    <a:masterClrMapping/>
+  </p:clrMapOvr>
+  <p:timing>
+    <p:tnLst>
+      <p:par>
+        <p:cTn xmlns:p14="http://schemas.microsoft.com/office/powerpoint/2010/main" id="1" dur="indefinite" restart="never" nodeType="tmRoot"/>
+      </p:par>
+    </p:tnLst>
+  </p:timing>
+</p:sld>
+</file>
+
+<file path=ppt/slides/slide9.xml><?xml version="1.0" encoding="utf-8"?>
+<p:sld xmlns:a="http://schemas.openxmlformats.org/drawingml/2006/main" xmlns:r="http://schemas.openxmlformats.org/officeDocument/2006/relationships" xmlns:p="http://schemas.openxmlformats.org/presentationml/2006/main">
+  <p:cSld>
+    <p:spTree>
+      <p:nvGrpSpPr>
+        <p:cNvPr id="1" name=""/>
+        <p:cNvGrpSpPr/>
+        <p:nvPr/>
+      </p:nvGrpSpPr>
+      <p:grpSpPr>
+        <a:xfrm>
+          <a:off x="0" y="0"/>
+          <a:ext cx="0" cy="0"/>
+          <a:chOff x="0" y="0"/>
+          <a:chExt cx="0" cy="0"/>
+        </a:xfrm>
+      </p:grpSpPr>
+      <p:sp>
+        <p:nvSpPr>
+          <p:cNvPr id="32769" name="Rectangle 3"/>
+          <p:cNvSpPr>
+            <a:spLocks noGrp="1"/>
+          </p:cNvSpPr>
+          <p:nvPr>
+            <p:ph type="title"/>
+          </p:nvPr>
+        </p:nvSpPr>
+        <p:spPr>
+          <a:xfrm>
+            <a:off x="685800" y="304800"/>
+            <a:ext cx="7772400" cy="679450"/>
+          </a:xfrm>
+        </p:spPr>
+        <p:txBody>
+          <a:bodyPr/>
+          <a:lstStyle/>
+          <a:p>
+            <a:pPr eaLnBrk="1" hangingPunct="1"/>
+            <a:r>
+              <a:rPr lang="en-US" dirty="0" smtClean="0">
+                <a:latin typeface="News Gothic MT" charset="0"/>
+              </a:rPr>
+              <a:t>Login &amp; Sign Up</a:t>
+            </a:r>
+            <a:endParaRPr lang="en-US" dirty="0">
+              <a:latin typeface="News Gothic MT" charset="0"/>
+            </a:endParaRPr>
+          </a:p>
+        </p:txBody>
+      </p:sp>
+      <p:pic>
+        <p:nvPicPr>
+          <p:cNvPr id="2" name="Picture 1" descr="LoginScreen.png"/>
+          <p:cNvPicPr>
+            <a:picLocks noChangeAspect="1"/>
+          </p:cNvPicPr>
+          <p:nvPr/>
+        </p:nvPicPr>
+        <p:blipFill>
+          <a:blip r:embed="rId3">
+            <a:extLst>
+              <a:ext uri="{28A0092B-C50C-407E-A947-70E740481C1C}">
+                <a14:useLocalDpi xmlns:a14="http://schemas.microsoft.com/office/drawing/2010/main" val="0"/>
+              </a:ext>
+            </a:extLst>
+          </a:blip>
+          <a:stretch>
+            <a:fillRect/>
+          </a:stretch>
+        </p:blipFill>
+        <p:spPr>
+          <a:xfrm>
+            <a:off x="1524000" y="1219200"/>
+            <a:ext cx="2767733" cy="5119607"/>
+          </a:xfrm>
+          <a:prstGeom prst="rect">
+            <a:avLst/>
+          </a:prstGeom>
+        </p:spPr>
+      </p:pic>
+      <p:pic>
+        <p:nvPicPr>
+          <p:cNvPr id="3" name="Picture 2" descr="SignUp.png"/>
+          <p:cNvPicPr>
+            <a:picLocks noChangeAspect="1"/>
+          </p:cNvPicPr>
+          <p:nvPr/>
+        </p:nvPicPr>
+        <p:blipFill>
+          <a:blip r:embed="rId4">
+            <a:extLst>
+              <a:ext uri="{28A0092B-C50C-407E-A947-70E740481C1C}">
+                <a14:useLocalDpi xmlns:a14="http://schemas.microsoft.com/office/drawing/2010/main" val="0"/>
+              </a:ext>
+            </a:extLst>
+          </a:blip>
+          <a:stretch>
+            <a:fillRect/>
+          </a:stretch>
+        </p:blipFill>
+        <p:spPr>
+          <a:xfrm>
+            <a:off x="4876800" y="1219200"/>
+            <a:ext cx="2760052" cy="5105400"/>
+          </a:xfrm>
+          <a:prstGeom prst="rect">
+            <a:avLst/>
+          </a:prstGeom>
+        </p:spPr>
+      </p:pic>
+    </p:spTree>
+    <p:extLst>
+      <p:ext uri="{BB962C8B-B14F-4D97-AF65-F5344CB8AC3E}">
+        <p14:creationId xmlns:p14="http://schemas.microsoft.com/office/powerpoint/2010/main" val="3547389025"/>
+      </p:ext>
+    </p:extLst>
   </p:cSld>
   <p:clrMapOvr>
     <a:masterClrMapping/>
